--- a/day1/event_loop_deep_dive/event_loop_deep_dive.pptx
+++ b/day1/event_loop_deep_dive/event_loop_deep_dive.pptx
@@ -5,7 +5,7 @@
     <p:sldMasterId id="2147483689" r:id="rId1"/>
   </p:sldMasterIdLst>
   <p:notesMasterIdLst>
-    <p:notesMasterId r:id="rId33"/>
+    <p:notesMasterId r:id="rId34"/>
   </p:notesMasterIdLst>
   <p:sldIdLst>
     <p:sldId id="256" r:id="rId2"/>
@@ -15,30 +15,31 @@
     <p:sldId id="273" r:id="rId6"/>
     <p:sldId id="285" r:id="rId7"/>
     <p:sldId id="283" r:id="rId8"/>
-    <p:sldId id="274" r:id="rId9"/>
-    <p:sldId id="287" r:id="rId10"/>
-    <p:sldId id="314" r:id="rId11"/>
-    <p:sldId id="288" r:id="rId12"/>
-    <p:sldId id="289" r:id="rId13"/>
-    <p:sldId id="290" r:id="rId14"/>
-    <p:sldId id="291" r:id="rId15"/>
-    <p:sldId id="294" r:id="rId16"/>
-    <p:sldId id="293" r:id="rId17"/>
-    <p:sldId id="295" r:id="rId18"/>
-    <p:sldId id="292" r:id="rId19"/>
-    <p:sldId id="296" r:id="rId20"/>
-    <p:sldId id="286" r:id="rId21"/>
-    <p:sldId id="302" r:id="rId22"/>
-    <p:sldId id="297" r:id="rId23"/>
-    <p:sldId id="298" r:id="rId24"/>
-    <p:sldId id="299" r:id="rId25"/>
-    <p:sldId id="301" r:id="rId26"/>
-    <p:sldId id="303" r:id="rId27"/>
-    <p:sldId id="309" r:id="rId28"/>
-    <p:sldId id="310" r:id="rId29"/>
-    <p:sldId id="311" r:id="rId30"/>
-    <p:sldId id="312" r:id="rId31"/>
-    <p:sldId id="304" r:id="rId32"/>
+    <p:sldId id="315" r:id="rId9"/>
+    <p:sldId id="274" r:id="rId10"/>
+    <p:sldId id="287" r:id="rId11"/>
+    <p:sldId id="314" r:id="rId12"/>
+    <p:sldId id="288" r:id="rId13"/>
+    <p:sldId id="289" r:id="rId14"/>
+    <p:sldId id="290" r:id="rId15"/>
+    <p:sldId id="291" r:id="rId16"/>
+    <p:sldId id="294" r:id="rId17"/>
+    <p:sldId id="293" r:id="rId18"/>
+    <p:sldId id="295" r:id="rId19"/>
+    <p:sldId id="292" r:id="rId20"/>
+    <p:sldId id="296" r:id="rId21"/>
+    <p:sldId id="286" r:id="rId22"/>
+    <p:sldId id="302" r:id="rId23"/>
+    <p:sldId id="297" r:id="rId24"/>
+    <p:sldId id="298" r:id="rId25"/>
+    <p:sldId id="299" r:id="rId26"/>
+    <p:sldId id="301" r:id="rId27"/>
+    <p:sldId id="303" r:id="rId28"/>
+    <p:sldId id="309" r:id="rId29"/>
+    <p:sldId id="310" r:id="rId30"/>
+    <p:sldId id="311" r:id="rId31"/>
+    <p:sldId id="312" r:id="rId32"/>
+    <p:sldId id="304" r:id="rId33"/>
   </p:sldIdLst>
   <p:sldSz cx="9144000" cy="6858000" type="screen4x3"/>
   <p:notesSz cx="6858000" cy="9144000"/>
@@ -238,7 +239,7 @@
           <a:p>
             <a:fld id="{1E64356D-F091-4486-B0BB-66BE03FC5D73}" type="datetimeFigureOut">
               <a:rPr lang="en-US" smtClean="0"/>
-              <a:t>4/2/2018</a:t>
+              <a:t>4/21/2018</a:t>
             </a:fld>
             <a:endParaRPr lang="en-US"/>
           </a:p>
@@ -1384,7 +1385,7 @@
             <a:fld id="{1D8BD707-D9CF-40AE-B4C6-C98DA3205C09}" type="datetimeFigureOut">
               <a:rPr lang="en-US" smtClean="0"/>
               <a:pPr/>
-              <a:t>4/2/2018</a:t>
+              <a:t>4/21/2018</a:t>
             </a:fld>
             <a:endParaRPr lang="en-US"/>
           </a:p>
@@ -1637,7 +1638,7 @@
             <a:fld id="{1D8BD707-D9CF-40AE-B4C6-C98DA3205C09}" type="datetimeFigureOut">
               <a:rPr lang="en-US" smtClean="0"/>
               <a:pPr/>
-              <a:t>4/2/2018</a:t>
+              <a:t>4/21/2018</a:t>
             </a:fld>
             <a:endParaRPr lang="en-US"/>
           </a:p>
@@ -1953,7 +1954,7 @@
             <a:fld id="{1D8BD707-D9CF-40AE-B4C6-C98DA3205C09}" type="datetimeFigureOut">
               <a:rPr lang="en-US" smtClean="0"/>
               <a:pPr/>
-              <a:t>4/2/2018</a:t>
+              <a:t>4/21/2018</a:t>
             </a:fld>
             <a:endParaRPr lang="en-US"/>
           </a:p>
@@ -2288,7 +2289,7 @@
             <a:fld id="{1D8BD707-D9CF-40AE-B4C6-C98DA3205C09}" type="datetimeFigureOut">
               <a:rPr lang="en-US" smtClean="0"/>
               <a:pPr/>
-              <a:t>4/2/2018</a:t>
+              <a:t>4/21/2018</a:t>
             </a:fld>
             <a:endParaRPr lang="en-US"/>
           </a:p>
@@ -2604,7 +2605,7 @@
             <a:fld id="{1D8BD707-D9CF-40AE-B4C6-C98DA3205C09}" type="datetimeFigureOut">
               <a:rPr lang="en-US" smtClean="0"/>
               <a:pPr/>
-              <a:t>4/2/2018</a:t>
+              <a:t>4/21/2018</a:t>
             </a:fld>
             <a:endParaRPr lang="en-US"/>
           </a:p>
@@ -2999,7 +3000,7 @@
             <a:fld id="{1D8BD707-D9CF-40AE-B4C6-C98DA3205C09}" type="datetimeFigureOut">
               <a:rPr lang="en-US" smtClean="0"/>
               <a:pPr/>
-              <a:t>4/2/2018</a:t>
+              <a:t>4/21/2018</a:t>
             </a:fld>
             <a:endParaRPr lang="en-US"/>
           </a:p>
@@ -3171,7 +3172,7 @@
             <a:fld id="{1D8BD707-D9CF-40AE-B4C6-C98DA3205C09}" type="datetimeFigureOut">
               <a:rPr lang="en-US" smtClean="0"/>
               <a:pPr/>
-              <a:t>4/2/2018</a:t>
+              <a:t>4/21/2018</a:t>
             </a:fld>
             <a:endParaRPr lang="en-US"/>
           </a:p>
@@ -3353,7 +3354,7 @@
             <a:fld id="{1D8BD707-D9CF-40AE-B4C6-C98DA3205C09}" type="datetimeFigureOut">
               <a:rPr lang="en-US" smtClean="0"/>
               <a:pPr/>
-              <a:t>4/2/2018</a:t>
+              <a:t>4/21/2018</a:t>
             </a:fld>
             <a:endParaRPr lang="en-US"/>
           </a:p>
@@ -3525,7 +3526,7 @@
             <a:fld id="{1D8BD707-D9CF-40AE-B4C6-C98DA3205C09}" type="datetimeFigureOut">
               <a:rPr lang="en-US" smtClean="0"/>
               <a:pPr/>
-              <a:t>4/2/2018</a:t>
+              <a:t>4/21/2018</a:t>
             </a:fld>
             <a:endParaRPr lang="en-US"/>
           </a:p>
@@ -3774,7 +3775,7 @@
             <a:fld id="{1D8BD707-D9CF-40AE-B4C6-C98DA3205C09}" type="datetimeFigureOut">
               <a:rPr lang="en-US" smtClean="0"/>
               <a:pPr/>
-              <a:t>4/2/2018</a:t>
+              <a:t>4/21/2018</a:t>
             </a:fld>
             <a:endParaRPr lang="en-US"/>
           </a:p>
@@ -4073,7 +4074,7 @@
             <a:fld id="{1D8BD707-D9CF-40AE-B4C6-C98DA3205C09}" type="datetimeFigureOut">
               <a:rPr lang="en-US" smtClean="0"/>
               <a:pPr/>
-              <a:t>4/2/2018</a:t>
+              <a:t>4/21/2018</a:t>
             </a:fld>
             <a:endParaRPr lang="en-US"/>
           </a:p>
@@ -4454,7 +4455,7 @@
             <a:fld id="{1D8BD707-D9CF-40AE-B4C6-C98DA3205C09}" type="datetimeFigureOut">
               <a:rPr lang="en-US" smtClean="0"/>
               <a:pPr/>
-              <a:t>4/2/2018</a:t>
+              <a:t>4/21/2018</a:t>
             </a:fld>
             <a:endParaRPr lang="en-US"/>
           </a:p>
@@ -4579,7 +4580,7 @@
             <a:fld id="{1D8BD707-D9CF-40AE-B4C6-C98DA3205C09}" type="datetimeFigureOut">
               <a:rPr lang="en-US" smtClean="0"/>
               <a:pPr/>
-              <a:t>4/2/2018</a:t>
+              <a:t>4/21/2018</a:t>
             </a:fld>
             <a:endParaRPr lang="en-US"/>
           </a:p>
@@ -4676,7 +4677,7 @@
             <a:fld id="{1D8BD707-D9CF-40AE-B4C6-C98DA3205C09}" type="datetimeFigureOut">
               <a:rPr lang="en-US" smtClean="0"/>
               <a:pPr/>
-              <a:t>4/2/2018</a:t>
+              <a:t>4/21/2018</a:t>
             </a:fld>
             <a:endParaRPr lang="en-US"/>
           </a:p>
@@ -4933,7 +4934,7 @@
             <a:fld id="{1D8BD707-D9CF-40AE-B4C6-C98DA3205C09}" type="datetimeFigureOut">
               <a:rPr lang="en-US" smtClean="0"/>
               <a:pPr/>
-              <a:t>4/2/2018</a:t>
+              <a:t>4/21/2018</a:t>
             </a:fld>
             <a:endParaRPr lang="en-US"/>
           </a:p>
@@ -5198,7 +5199,7 @@
             <a:fld id="{1D8BD707-D9CF-40AE-B4C6-C98DA3205C09}" type="datetimeFigureOut">
               <a:rPr lang="en-US" smtClean="0"/>
               <a:pPr/>
-              <a:t>4/2/2018</a:t>
+              <a:t>4/21/2018</a:t>
             </a:fld>
             <a:endParaRPr lang="en-US"/>
           </a:p>
@@ -6014,7 +6015,7 @@
             <a:fld id="{1D8BD707-D9CF-40AE-B4C6-C98DA3205C09}" type="datetimeFigureOut">
               <a:rPr lang="en-US" smtClean="0"/>
               <a:pPr/>
-              <a:t>4/2/2018</a:t>
+              <a:t>4/21/2018</a:t>
             </a:fld>
             <a:endParaRPr lang="en-US"/>
           </a:p>
@@ -6693,6 +6694,128 @@
             <p:ph type="title"/>
           </p:nvPr>
         </p:nvSpPr>
+        <p:spPr/>
+        <p:txBody>
+          <a:bodyPr/>
+          <a:lstStyle/>
+          <a:p>
+            <a:r>
+              <a:rPr lang="en-US" dirty="0"/>
+              <a:t>Event loop in a nutshell</a:t>
+            </a:r>
+          </a:p>
+        </p:txBody>
+      </p:sp>
+      <p:sp>
+        <p:nvSpPr>
+          <p:cNvPr id="3" name="Content Placeholder 2"/>
+          <p:cNvSpPr>
+            <a:spLocks noGrp="1"/>
+          </p:cNvSpPr>
+          <p:nvPr>
+            <p:ph idx="1"/>
+          </p:nvPr>
+        </p:nvSpPr>
+        <p:spPr/>
+        <p:txBody>
+          <a:bodyPr/>
+          <a:lstStyle/>
+          <a:p>
+            <a:r>
+              <a:rPr lang="en-US" dirty="0"/>
+              <a:t>What enables </a:t>
+            </a:r>
+            <a:r>
+              <a:rPr lang="en-US" dirty="0" smtClean="0"/>
+              <a:t>Node.js </a:t>
+            </a:r>
+            <a:r>
+              <a:rPr lang="en-US" dirty="0"/>
+              <a:t>to perform non blocking </a:t>
+            </a:r>
+            <a:r>
+              <a:rPr lang="en-US" dirty="0" smtClean="0"/>
+              <a:t>I/O</a:t>
+            </a:r>
+            <a:endParaRPr lang="en-US" dirty="0"/>
+          </a:p>
+          <a:p>
+            <a:r>
+              <a:rPr lang="en-US" dirty="0"/>
+              <a:t>Offloading </a:t>
+            </a:r>
+            <a:r>
+              <a:rPr lang="en-US" dirty="0" smtClean="0"/>
+              <a:t>I/O </a:t>
+            </a:r>
+            <a:r>
+              <a:rPr lang="en-US" dirty="0"/>
+              <a:t>operations to system kernel whenever possible</a:t>
+            </a:r>
+          </a:p>
+          <a:p>
+            <a:r>
+              <a:rPr lang="en-US" dirty="0"/>
+              <a:t>Kernel informs </a:t>
+            </a:r>
+            <a:r>
+              <a:rPr lang="en-US" dirty="0" smtClean="0"/>
+              <a:t>Node.js </a:t>
+            </a:r>
+            <a:r>
+              <a:rPr lang="en-US" dirty="0"/>
+              <a:t>that operation completed, callback queued in appropriate queue</a:t>
+            </a:r>
+          </a:p>
+        </p:txBody>
+      </p:sp>
+    </p:spTree>
+    <p:extLst>
+      <p:ext uri="{BB962C8B-B14F-4D97-AF65-F5344CB8AC3E}">
+        <p14:creationId xmlns:p14="http://schemas.microsoft.com/office/powerpoint/2010/main" val="363921970"/>
+      </p:ext>
+    </p:extLst>
+  </p:cSld>
+  <p:clrMapOvr>
+    <a:masterClrMapping/>
+  </p:clrMapOvr>
+  <p:timing>
+    <p:tnLst>
+      <p:par>
+        <p:cTn id="1" dur="indefinite" restart="never" nodeType="tmRoot"/>
+      </p:par>
+    </p:tnLst>
+  </p:timing>
+</p:sld>
+</file>
+
+<file path=ppt/slides/slide11.xml><?xml version="1.0" encoding="utf-8"?>
+<p:sld xmlns:a="http://schemas.openxmlformats.org/drawingml/2006/main" xmlns:r="http://schemas.openxmlformats.org/officeDocument/2006/relationships" xmlns:p="http://schemas.openxmlformats.org/presentationml/2006/main">
+  <p:cSld>
+    <p:spTree>
+      <p:nvGrpSpPr>
+        <p:cNvPr id="1" name=""/>
+        <p:cNvGrpSpPr/>
+        <p:nvPr/>
+      </p:nvGrpSpPr>
+      <p:grpSpPr>
+        <a:xfrm>
+          <a:off x="0" y="0"/>
+          <a:ext cx="0" cy="0"/>
+          <a:chOff x="0" y="0"/>
+          <a:chExt cx="0" cy="0"/>
+        </a:xfrm>
+      </p:grpSpPr>
+      <p:sp>
+        <p:nvSpPr>
+          <p:cNvPr id="2" name="Title 1"/>
+          <p:cNvSpPr>
+            <a:spLocks noGrp="1"/>
+          </p:cNvSpPr>
+          <p:nvPr>
+            <p:ph type="title"/>
+          </p:nvPr>
+        </p:nvSpPr>
         <p:spPr>
           <a:xfrm>
             <a:off x="609599" y="1955800"/>
@@ -6724,7 +6847,7 @@
 </p:sld>
 </file>
 
-<file path=ppt/slides/slide11.xml><?xml version="1.0" encoding="utf-8"?>
+<file path=ppt/slides/slide12.xml><?xml version="1.0" encoding="utf-8"?>
 <p:sld xmlns:a="http://schemas.openxmlformats.org/drawingml/2006/main" xmlns:r="http://schemas.openxmlformats.org/officeDocument/2006/relationships" xmlns:p="http://schemas.openxmlformats.org/presentationml/2006/main">
   <p:cSld>
     <p:spTree>
@@ -6806,120 +6929,6 @@
 </p:sld>
 </file>
 
-<file path=ppt/slides/slide12.xml><?xml version="1.0" encoding="utf-8"?>
-<p:sld xmlns:a="http://schemas.openxmlformats.org/drawingml/2006/main" xmlns:r="http://schemas.openxmlformats.org/officeDocument/2006/relationships" xmlns:p="http://schemas.openxmlformats.org/presentationml/2006/main">
-  <p:cSld>
-    <p:spTree>
-      <p:nvGrpSpPr>
-        <p:cNvPr id="1" name=""/>
-        <p:cNvGrpSpPr/>
-        <p:nvPr/>
-      </p:nvGrpSpPr>
-      <p:grpSpPr>
-        <a:xfrm>
-          <a:off x="0" y="0"/>
-          <a:ext cx="0" cy="0"/>
-          <a:chOff x="0" y="0"/>
-          <a:chExt cx="0" cy="0"/>
-        </a:xfrm>
-      </p:grpSpPr>
-      <p:sp>
-        <p:nvSpPr>
-          <p:cNvPr id="2" name="Title 1"/>
-          <p:cNvSpPr>
-            <a:spLocks noGrp="1"/>
-          </p:cNvSpPr>
-          <p:nvPr>
-            <p:ph type="title"/>
-          </p:nvPr>
-        </p:nvSpPr>
-        <p:spPr/>
-        <p:txBody>
-          <a:bodyPr/>
-          <a:lstStyle/>
-          <a:p>
-            <a:r>
-              <a:rPr lang="en-US" dirty="0"/>
-              <a:t>Event loop thread</a:t>
-            </a:r>
-          </a:p>
-        </p:txBody>
-      </p:sp>
-      <p:sp>
-        <p:nvSpPr>
-          <p:cNvPr id="3" name="Content Placeholder 2"/>
-          <p:cNvSpPr>
-            <a:spLocks noGrp="1"/>
-          </p:cNvSpPr>
-          <p:nvPr>
-            <p:ph idx="1"/>
-          </p:nvPr>
-        </p:nvSpPr>
-        <p:spPr/>
-        <p:txBody>
-          <a:bodyPr/>
-          <a:lstStyle/>
-          <a:p>
-            <a:r>
-              <a:rPr lang="en-US" dirty="0"/>
-              <a:t>Event loop runs on single thread</a:t>
-            </a:r>
-          </a:p>
-          <a:p>
-            <a:r>
-              <a:rPr lang="en-US" dirty="0"/>
-              <a:t>Each new request register a synchronous callback</a:t>
-            </a:r>
-          </a:p>
-          <a:p>
-            <a:r>
-              <a:rPr lang="en-US" dirty="0"/>
-              <a:t>Execute JavaScript callbacks</a:t>
-            </a:r>
-          </a:p>
-          <a:p>
-            <a:r>
-              <a:rPr lang="en-US" dirty="0"/>
-              <a:t>Offloads </a:t>
-            </a:r>
-            <a:r>
-              <a:rPr lang="en-US" dirty="0" smtClean="0"/>
-              <a:t>I/O </a:t>
-            </a:r>
-            <a:r>
-              <a:rPr lang="en-US" dirty="0"/>
-              <a:t>operations to worker thread pool.</a:t>
-            </a:r>
-          </a:p>
-          <a:p>
-            <a:r>
-              <a:rPr lang="en-US" dirty="0"/>
-              <a:t>Handle callbacks for asynchronous </a:t>
-            </a:r>
-            <a:r>
-              <a:rPr lang="en-US" dirty="0" smtClean="0"/>
-              <a:t>I/O </a:t>
-            </a:r>
-            <a:r>
-              <a:rPr lang="en-US" dirty="0"/>
-              <a:t>operations that finished.</a:t>
-            </a:r>
-          </a:p>
-        </p:txBody>
-      </p:sp>
-    </p:spTree>
-    <p:extLst>
-      <p:ext uri="{BB962C8B-B14F-4D97-AF65-F5344CB8AC3E}">
-        <p14:creationId xmlns:p14="http://schemas.microsoft.com/office/powerpoint/2010/main" val="2799630110"/>
-      </p:ext>
-    </p:extLst>
-  </p:cSld>
-  <p:clrMapOvr>
-    <a:masterClrMapping/>
-  </p:clrMapOvr>
-</p:sld>
-</file>
-
 <file path=ppt/slides/slide13.xml><?xml version="1.0" encoding="utf-8"?>
 <p:sld xmlns:a="http://schemas.openxmlformats.org/drawingml/2006/main" xmlns:r="http://schemas.openxmlformats.org/officeDocument/2006/relationships" xmlns:p="http://schemas.openxmlformats.org/presentationml/2006/main">
   <p:cSld>
@@ -6954,7 +6963,7 @@
           <a:p>
             <a:r>
               <a:rPr lang="en-US" dirty="0"/>
-              <a:t>Workers thread pool</a:t>
+              <a:t>Event loop thread</a:t>
             </a:r>
           </a:p>
         </p:txBody>
@@ -6976,89 +6985,55 @@
           <a:p>
             <a:r>
               <a:rPr lang="en-US" dirty="0"/>
-              <a:t>Thread pool to perform heavy operations</a:t>
-            </a:r>
-          </a:p>
-          <a:p>
-            <a:pPr lvl="1"/>
-            <a:r>
-              <a:rPr lang="en-US" dirty="0"/>
-              <a:t> </a:t>
+              <a:t>Event loop runs on single thread</a:t>
+            </a:r>
+          </a:p>
+          <a:p>
+            <a:r>
+              <a:rPr lang="en-US" dirty="0"/>
+              <a:t>Each new request register a synchronous callback</a:t>
+            </a:r>
+          </a:p>
+          <a:p>
+            <a:r>
+              <a:rPr lang="en-US" dirty="0"/>
+              <a:t>Execute JavaScript callbacks</a:t>
+            </a:r>
+          </a:p>
+          <a:p>
+            <a:r>
+              <a:rPr lang="en-US" dirty="0"/>
+              <a:t>Offloads </a:t>
             </a:r>
             <a:r>
               <a:rPr lang="en-US" dirty="0" smtClean="0"/>
-              <a:t>I/O</a:t>
-            </a:r>
-            <a:endParaRPr lang="en-US" dirty="0"/>
-          </a:p>
-          <a:p>
-            <a:pPr lvl="1"/>
-            <a:r>
-              <a:rPr lang="en-US" dirty="0"/>
-              <a:t>CPU intensive operations</a:t>
-            </a:r>
-            <a:endParaRPr lang="he-IL" dirty="0"/>
-          </a:p>
-          <a:p>
-            <a:r>
-              <a:rPr lang="en-US" dirty="0"/>
-              <a:t>Bounded by fixed capacity</a:t>
-            </a:r>
-          </a:p>
-          <a:p>
-            <a:r>
-              <a:rPr lang="en-US" dirty="0"/>
-              <a:t>Implemented with </a:t>
-            </a:r>
-            <a:r>
-              <a:rPr lang="en-US" dirty="0" err="1"/>
-              <a:t>libuv</a:t>
-            </a:r>
-            <a:endParaRPr lang="en-US" dirty="0"/>
-          </a:p>
-          <a:p>
-            <a:r>
-              <a:rPr lang="en-US" dirty="0"/>
-              <a:t>N</a:t>
+              <a:t>I/O </a:t>
+            </a:r>
+            <a:r>
+              <a:rPr lang="en-US" dirty="0"/>
+              <a:t>operations to worker thread pool.</a:t>
+            </a:r>
+          </a:p>
+          <a:p>
+            <a:r>
+              <a:rPr lang="en-US" dirty="0"/>
+              <a:t>Handle callbacks for asynchronous </a:t>
             </a:r>
             <a:r>
               <a:rPr lang="en-US" dirty="0" smtClean="0"/>
-              <a:t>ode </a:t>
-            </a:r>
-            <a:r>
-              <a:rPr lang="en-US" dirty="0"/>
-              <a:t>module submit a task to </a:t>
-            </a:r>
-            <a:r>
-              <a:rPr lang="en-US" dirty="0" err="1"/>
-              <a:t>libuv</a:t>
-            </a:r>
-            <a:r>
-              <a:rPr lang="en-US" dirty="0"/>
-              <a:t> API</a:t>
-            </a:r>
-            <a:r>
-              <a:rPr lang="he-IL" dirty="0"/>
-              <a:t> </a:t>
-            </a:r>
-            <a:r>
-              <a:rPr lang="en-US" dirty="0" smtClean="0"/>
-              <a:t>with C</a:t>
-            </a:r>
-            <a:r>
-              <a:rPr lang="en-US" dirty="0"/>
-              <a:t>++ add-on</a:t>
-            </a:r>
-          </a:p>
-          <a:p>
-            <a:endParaRPr lang="en-US" dirty="0"/>
+              <a:t>I/O </a:t>
+            </a:r>
+            <a:r>
+              <a:rPr lang="en-US" dirty="0"/>
+              <a:t>operations that finished.</a:t>
+            </a:r>
           </a:p>
         </p:txBody>
       </p:sp>
     </p:spTree>
     <p:extLst>
       <p:ext uri="{BB962C8B-B14F-4D97-AF65-F5344CB8AC3E}">
-        <p14:creationId xmlns:p14="http://schemas.microsoft.com/office/powerpoint/2010/main" val="2221932910"/>
+        <p14:creationId xmlns:p14="http://schemas.microsoft.com/office/powerpoint/2010/main" val="2799630110"/>
       </p:ext>
     </p:extLst>
   </p:cSld>
@@ -7095,21 +7070,14 @@
             <p:ph type="title"/>
           </p:nvPr>
         </p:nvSpPr>
-        <p:spPr>
-          <a:xfrm>
-            <a:off x="381000" y="0"/>
-            <a:ext cx="8229600" cy="1143000"/>
-          </a:xfrm>
-        </p:spPr>
-        <p:txBody>
-          <a:bodyPr>
-            <a:normAutofit/>
-          </a:bodyPr>
-          <a:lstStyle/>
-          <a:p>
-            <a:r>
-              <a:rPr lang="en-US" dirty="0"/>
-              <a:t>Modules who use worker pool</a:t>
+        <p:spPr/>
+        <p:txBody>
+          <a:bodyPr/>
+          <a:lstStyle/>
+          <a:p>
+            <a:r>
+              <a:rPr lang="en-US" dirty="0"/>
+              <a:t>Workers thread pool</a:t>
             </a:r>
           </a:p>
         </p:txBody>
@@ -7124,151 +7092,88 @@
             <p:ph idx="1"/>
           </p:nvPr>
         </p:nvSpPr>
-        <p:spPr>
-          <a:xfrm>
-            <a:off x="304800" y="990600"/>
-            <a:ext cx="9296400" cy="5715000"/>
-          </a:xfrm>
-        </p:spPr>
-        <p:txBody>
-          <a:bodyPr>
-            <a:normAutofit/>
-          </a:bodyPr>
-          <a:lstStyle/>
-          <a:p>
-            <a:r>
-              <a:rPr lang="en-US" dirty="0"/>
-              <a:t>I/O-intensive</a:t>
+        <p:spPr/>
+        <p:txBody>
+          <a:bodyPr/>
+          <a:lstStyle/>
+          <a:p>
+            <a:r>
+              <a:rPr lang="en-US" dirty="0"/>
+              <a:t>Thread pool to perform heavy operations</a:t>
             </a:r>
           </a:p>
           <a:p>
             <a:pPr lvl="1"/>
             <a:r>
-              <a:rPr lang="en-US" dirty="0">
-                <a:hlinkClick r:id="rId2"/>
-              </a:rPr>
-              <a:t>DNS</a:t>
-            </a:r>
-            <a:r>
-              <a:rPr lang="en-US" dirty="0"/>
-              <a:t>: </a:t>
-            </a:r>
-          </a:p>
-          <a:p>
-            <a:pPr lvl="2"/>
+              <a:rPr lang="en-US" dirty="0"/>
+              <a:t> </a:t>
+            </a:r>
+            <a:r>
+              <a:rPr lang="en-US" dirty="0" smtClean="0"/>
+              <a:t>I/O</a:t>
+            </a:r>
+            <a:endParaRPr lang="en-US" dirty="0"/>
+          </a:p>
+          <a:p>
+            <a:pPr lvl="1"/>
+            <a:r>
+              <a:rPr lang="en-US" dirty="0"/>
+              <a:t>CPU intensive operations</a:t>
+            </a:r>
+            <a:endParaRPr lang="he-IL" dirty="0"/>
+          </a:p>
+          <a:p>
+            <a:r>
+              <a:rPr lang="en-US" dirty="0"/>
+              <a:t>Bounded by fixed capacity</a:t>
+            </a:r>
+          </a:p>
+          <a:p>
+            <a:r>
+              <a:rPr lang="en-US" dirty="0"/>
+              <a:t>Implemented with </a:t>
+            </a:r>
             <a:r>
               <a:rPr lang="en-US" dirty="0" err="1"/>
-              <a:t>dns.lookup</a:t>
-            </a:r>
-            <a:r>
-              <a:rPr lang="en-US" dirty="0"/>
-              <a:t>(), </a:t>
+              <a:t>libuv</a:t>
+            </a:r>
+            <a:endParaRPr lang="en-US" dirty="0"/>
+          </a:p>
+          <a:p>
+            <a:r>
+              <a:rPr lang="en-US" dirty="0"/>
+              <a:t>N</a:t>
+            </a:r>
+            <a:r>
+              <a:rPr lang="en-US" dirty="0" smtClean="0"/>
+              <a:t>ode </a:t>
+            </a:r>
+            <a:r>
+              <a:rPr lang="en-US" dirty="0"/>
+              <a:t>module submit a task to </a:t>
             </a:r>
             <a:r>
               <a:rPr lang="en-US" dirty="0" err="1"/>
-              <a:t>dns.lookupService</a:t>
+              <a:t>libuv</a:t>
+            </a:r>
+            <a:r>
+              <a:rPr lang="en-US" dirty="0"/>
+              <a:t> API</a:t>
+            </a:r>
+            <a:r>
+              <a:rPr lang="he-IL" dirty="0"/>
+              <a:t> </a:t>
             </a:r>
             <a:r>
               <a:rPr lang="en-US" dirty="0" smtClean="0"/>
-              <a:t>()</a:t>
-            </a:r>
-            <a:endParaRPr lang="en-US" dirty="0"/>
-          </a:p>
-          <a:p>
-            <a:pPr lvl="1"/>
-            <a:r>
-              <a:rPr lang="en-US" dirty="0">
-                <a:hlinkClick r:id="rId3"/>
-              </a:rPr>
-              <a:t>File System</a:t>
-            </a:r>
-            <a:r>
-              <a:rPr lang="en-US" dirty="0"/>
-              <a:t>: All file system APIs except </a:t>
-            </a:r>
-            <a:endParaRPr lang="he-IL" dirty="0"/>
-          </a:p>
-          <a:p>
-            <a:pPr lvl="2"/>
-            <a:r>
-              <a:rPr lang="en-US" dirty="0" err="1"/>
-              <a:t>fs.FSWatcher</a:t>
-            </a:r>
-            <a:r>
-              <a:rPr lang="en-US" dirty="0"/>
-              <a:t>() </a:t>
-            </a:r>
-            <a:endParaRPr lang="he-IL" dirty="0"/>
-          </a:p>
-          <a:p>
-            <a:pPr lvl="2"/>
-            <a:r>
-              <a:rPr lang="en-US" dirty="0"/>
-              <a:t>explicitly synchronous operations.</a:t>
-            </a:r>
-          </a:p>
-          <a:p>
-            <a:r>
-              <a:rPr lang="en-US" dirty="0"/>
-              <a:t>CPU-intensive</a:t>
-            </a:r>
-          </a:p>
-          <a:p>
-            <a:pPr lvl="1"/>
-            <a:r>
-              <a:rPr lang="en-US" dirty="0">
-                <a:hlinkClick r:id="rId4"/>
-              </a:rPr>
-              <a:t>Crypto</a:t>
-            </a:r>
-            <a:r>
-              <a:rPr lang="en-US" dirty="0"/>
-              <a:t>: </a:t>
-            </a:r>
-          </a:p>
-          <a:p>
-            <a:pPr lvl="2"/>
-            <a:r>
-              <a:rPr lang="en-US" dirty="0"/>
-              <a:t>crypto.pbkdf2</a:t>
-            </a:r>
-            <a:r>
-              <a:rPr lang="en-US" dirty="0" smtClean="0"/>
-              <a:t>()</a:t>
-            </a:r>
-            <a:endParaRPr lang="en-US" dirty="0"/>
-          </a:p>
-          <a:p>
-            <a:pPr lvl="2"/>
-            <a:r>
-              <a:rPr lang="en-US" dirty="0" err="1"/>
-              <a:t>crypto.randomBytes</a:t>
-            </a:r>
-            <a:r>
-              <a:rPr lang="en-US" dirty="0" smtClean="0"/>
-              <a:t>()</a:t>
-            </a:r>
-            <a:r>
-              <a:rPr lang="en-US" dirty="0"/>
-              <a:t> </a:t>
-            </a:r>
-          </a:p>
-          <a:p>
-            <a:pPr lvl="2"/>
-            <a:r>
-              <a:rPr lang="en-US" dirty="0" err="1"/>
-              <a:t>crypto.randomFill</a:t>
-            </a:r>
-            <a:r>
-              <a:rPr lang="en-US" dirty="0" smtClean="0"/>
-              <a:t>()</a:t>
-            </a:r>
-            <a:endParaRPr lang="en-US" dirty="0"/>
-          </a:p>
-          <a:p>
-            <a:pPr marL="0" indent="0">
-              <a:buNone/>
-            </a:pPr>
+              <a:t>with C</a:t>
+            </a:r>
+            <a:r>
+              <a:rPr lang="en-US" dirty="0"/>
+              <a:t>++ add-on</a:t>
+            </a:r>
+          </a:p>
+          <a:p>
             <a:endParaRPr lang="en-US" dirty="0"/>
           </a:p>
         </p:txBody>
@@ -7276,7 +7181,7 @@
     </p:spTree>
     <p:extLst>
       <p:ext uri="{BB962C8B-B14F-4D97-AF65-F5344CB8AC3E}">
-        <p14:creationId xmlns:p14="http://schemas.microsoft.com/office/powerpoint/2010/main" val="3556669581"/>
+        <p14:creationId xmlns:p14="http://schemas.microsoft.com/office/powerpoint/2010/main" val="2221932910"/>
       </p:ext>
     </p:extLst>
   </p:cSld>
@@ -7315,27 +7220,178 @@
         </p:nvSpPr>
         <p:spPr>
           <a:xfrm>
-            <a:off x="304800" y="2286000"/>
+            <a:off x="381000" y="0"/>
             <a:ext cx="8229600" cy="1143000"/>
           </a:xfrm>
         </p:spPr>
         <p:txBody>
           <a:bodyPr>
-            <a:normAutofit fontScale="90000"/>
+            <a:normAutofit/>
           </a:bodyPr>
           <a:lstStyle/>
           <a:p>
             <a:r>
+              <a:rPr lang="en-US" dirty="0"/>
+              <a:t>Modules who use worker pool</a:t>
+            </a:r>
+          </a:p>
+        </p:txBody>
+      </p:sp>
+      <p:sp>
+        <p:nvSpPr>
+          <p:cNvPr id="3" name="Content Placeholder 2"/>
+          <p:cNvSpPr>
+            <a:spLocks noGrp="1"/>
+          </p:cNvSpPr>
+          <p:nvPr>
+            <p:ph idx="1"/>
+          </p:nvPr>
+        </p:nvSpPr>
+        <p:spPr>
+          <a:xfrm>
+            <a:off x="304800" y="990600"/>
+            <a:ext cx="9296400" cy="5715000"/>
+          </a:xfrm>
+        </p:spPr>
+        <p:txBody>
+          <a:bodyPr>
+            <a:normAutofit/>
+          </a:bodyPr>
+          <a:lstStyle/>
+          <a:p>
+            <a:r>
+              <a:rPr lang="en-US" dirty="0"/>
+              <a:t>I/O-intensive</a:t>
+            </a:r>
+          </a:p>
+          <a:p>
+            <a:pPr lvl="1"/>
+            <a:r>
+              <a:rPr lang="en-US" dirty="0">
+                <a:hlinkClick r:id="rId2"/>
+              </a:rPr>
+              <a:t>DNS</a:t>
+            </a:r>
+            <a:r>
+              <a:rPr lang="en-US" dirty="0"/>
+              <a:t>: </a:t>
+            </a:r>
+          </a:p>
+          <a:p>
+            <a:pPr lvl="2"/>
+            <a:r>
+              <a:rPr lang="en-US" dirty="0" err="1"/>
+              <a:t>dns.lookup</a:t>
+            </a:r>
+            <a:r>
+              <a:rPr lang="en-US" dirty="0"/>
+              <a:t>(), </a:t>
+            </a:r>
+            <a:r>
+              <a:rPr lang="en-US" dirty="0" err="1"/>
+              <a:t>dns.lookupService</a:t>
+            </a:r>
+            <a:r>
               <a:rPr lang="en-US" dirty="0" smtClean="0"/>
-              <a:t>What happening on the </a:t>
-            </a:r>
-            <a:br>
+              <a:t>()</a:t>
+            </a:r>
+            <a:endParaRPr lang="en-US" dirty="0"/>
+          </a:p>
+          <a:p>
+            <a:pPr lvl="1"/>
+            <a:r>
+              <a:rPr lang="en-US" dirty="0">
+                <a:hlinkClick r:id="rId3"/>
+              </a:rPr>
+              <a:t>File System</a:t>
+            </a:r>
+            <a:r>
+              <a:rPr lang="en-US" dirty="0"/>
+              <a:t>: All file system APIs except </a:t>
+            </a:r>
+            <a:endParaRPr lang="he-IL" dirty="0"/>
+          </a:p>
+          <a:p>
+            <a:pPr lvl="2"/>
+            <a:r>
+              <a:rPr lang="en-US" dirty="0" err="1"/>
+              <a:t>fs.FSWatcher</a:t>
+            </a:r>
+            <a:r>
+              <a:rPr lang="en-US" dirty="0"/>
+              <a:t>() </a:t>
+            </a:r>
+            <a:endParaRPr lang="he-IL" dirty="0"/>
+          </a:p>
+          <a:p>
+            <a:pPr lvl="2"/>
+            <a:r>
+              <a:rPr lang="en-US" dirty="0"/>
+              <a:t>explicitly synchronous operations.</a:t>
+            </a:r>
+          </a:p>
+          <a:p>
+            <a:r>
+              <a:rPr lang="en-US" dirty="0"/>
+              <a:t>CPU-intensive</a:t>
+            </a:r>
+          </a:p>
+          <a:p>
+            <a:pPr lvl="1"/>
+            <a:r>
+              <a:rPr lang="en-US" dirty="0">
+                <a:hlinkClick r:id="rId4"/>
+              </a:rPr>
+              <a:t>Crypto</a:t>
+            </a:r>
+            <a:r>
+              <a:rPr lang="en-US" dirty="0"/>
+              <a:t>: </a:t>
+            </a:r>
+          </a:p>
+          <a:p>
+            <a:pPr lvl="2"/>
+            <a:r>
+              <a:rPr lang="en-US" dirty="0"/>
+              <a:t>crypto.pbkdf2</a:t>
+            </a:r>
+            <a:r>
               <a:rPr lang="en-US" dirty="0" smtClean="0"/>
-            </a:br>
+              <a:t>()</a:t>
+            </a:r>
+            <a:endParaRPr lang="en-US" dirty="0"/>
+          </a:p>
+          <a:p>
+            <a:pPr lvl="2"/>
+            <a:r>
+              <a:rPr lang="en-US" dirty="0" err="1"/>
+              <a:t>crypto.randomBytes</a:t>
+            </a:r>
             <a:r>
               <a:rPr lang="en-US" dirty="0" smtClean="0"/>
-              <a:t>operating system level?</a:t>
-            </a:r>
+              <a:t>()</a:t>
+            </a:r>
+            <a:r>
+              <a:rPr lang="en-US" dirty="0"/>
+              <a:t> </a:t>
+            </a:r>
+          </a:p>
+          <a:p>
+            <a:pPr lvl="2"/>
+            <a:r>
+              <a:rPr lang="en-US" dirty="0" err="1"/>
+              <a:t>crypto.randomFill</a:t>
+            </a:r>
+            <a:r>
+              <a:rPr lang="en-US" dirty="0" smtClean="0"/>
+              <a:t>()</a:t>
+            </a:r>
+            <a:endParaRPr lang="en-US" dirty="0"/>
+          </a:p>
+          <a:p>
+            <a:pPr marL="0" indent="0">
+              <a:buNone/>
+            </a:pPr>
             <a:endParaRPr lang="en-US" dirty="0"/>
           </a:p>
         </p:txBody>
@@ -7343,7 +7399,7 @@
     </p:spTree>
     <p:extLst>
       <p:ext uri="{BB962C8B-B14F-4D97-AF65-F5344CB8AC3E}">
-        <p14:creationId xmlns:p14="http://schemas.microsoft.com/office/powerpoint/2010/main" val="165562187"/>
+        <p14:creationId xmlns:p14="http://schemas.microsoft.com/office/powerpoint/2010/main" val="3556669581"/>
       </p:ext>
     </p:extLst>
   </p:cSld>
@@ -7380,6 +7436,73 @@
             <p:ph type="title"/>
           </p:nvPr>
         </p:nvSpPr>
+        <p:spPr>
+          <a:xfrm>
+            <a:off x="304800" y="2286000"/>
+            <a:ext cx="8229600" cy="1143000"/>
+          </a:xfrm>
+        </p:spPr>
+        <p:txBody>
+          <a:bodyPr>
+            <a:normAutofit fontScale="90000"/>
+          </a:bodyPr>
+          <a:lstStyle/>
+          <a:p>
+            <a:r>
+              <a:rPr lang="en-US" dirty="0" smtClean="0"/>
+              <a:t>What happening on the </a:t>
+            </a:r>
+            <a:br>
+              <a:rPr lang="en-US" dirty="0" smtClean="0"/>
+            </a:br>
+            <a:r>
+              <a:rPr lang="en-US" dirty="0" smtClean="0"/>
+              <a:t>operating system level?</a:t>
+            </a:r>
+            <a:endParaRPr lang="en-US" dirty="0"/>
+          </a:p>
+        </p:txBody>
+      </p:sp>
+    </p:spTree>
+    <p:extLst>
+      <p:ext uri="{BB962C8B-B14F-4D97-AF65-F5344CB8AC3E}">
+        <p14:creationId xmlns:p14="http://schemas.microsoft.com/office/powerpoint/2010/main" val="165562187"/>
+      </p:ext>
+    </p:extLst>
+  </p:cSld>
+  <p:clrMapOvr>
+    <a:masterClrMapping/>
+  </p:clrMapOvr>
+</p:sld>
+</file>
+
+<file path=ppt/slides/slide17.xml><?xml version="1.0" encoding="utf-8"?>
+<p:sld xmlns:a="http://schemas.openxmlformats.org/drawingml/2006/main" xmlns:r="http://schemas.openxmlformats.org/officeDocument/2006/relationships" xmlns:p="http://schemas.openxmlformats.org/presentationml/2006/main">
+  <p:cSld>
+    <p:spTree>
+      <p:nvGrpSpPr>
+        <p:cNvPr id="1" name=""/>
+        <p:cNvGrpSpPr/>
+        <p:nvPr/>
+      </p:nvGrpSpPr>
+      <p:grpSpPr>
+        <a:xfrm>
+          <a:off x="0" y="0"/>
+          <a:ext cx="0" cy="0"/>
+          <a:chOff x="0" y="0"/>
+          <a:chExt cx="0" cy="0"/>
+        </a:xfrm>
+      </p:grpSpPr>
+      <p:sp>
+        <p:nvSpPr>
+          <p:cNvPr id="2" name="Title 1"/>
+          <p:cNvSpPr>
+            <a:spLocks noGrp="1"/>
+          </p:cNvSpPr>
+          <p:nvPr>
+            <p:ph type="title"/>
+          </p:nvPr>
+        </p:nvSpPr>
         <p:spPr/>
         <p:txBody>
           <a:bodyPr>
@@ -7752,7 +7875,7 @@
 </p:sld>
 </file>
 
-<file path=ppt/slides/slide17.xml><?xml version="1.0" encoding="utf-8"?>
+<file path=ppt/slides/slide18.xml><?xml version="1.0" encoding="utf-8"?>
 <p:sld xmlns:a="http://schemas.openxmlformats.org/drawingml/2006/main" xmlns:r="http://schemas.openxmlformats.org/officeDocument/2006/relationships" xmlns:p="http://schemas.openxmlformats.org/presentationml/2006/main">
   <p:cSld>
     <p:spTree>
@@ -8070,7 +8193,7 @@
 </p:sld>
 </file>
 
-<file path=ppt/slides/slide18.xml><?xml version="1.0" encoding="utf-8"?>
+<file path=ppt/slides/slide19.xml><?xml version="1.0" encoding="utf-8"?>
 <p:sld xmlns:a="http://schemas.openxmlformats.org/drawingml/2006/main" xmlns:r="http://schemas.openxmlformats.org/officeDocument/2006/relationships" xmlns:p="http://schemas.openxmlformats.org/presentationml/2006/main">
   <p:cSld>
     <p:spTree>
@@ -8375,72 +8498,6 @@
 </p:sld>
 </file>
 
-<file path=ppt/slides/slide19.xml><?xml version="1.0" encoding="utf-8"?>
-<p:sld xmlns:a="http://schemas.openxmlformats.org/drawingml/2006/main" xmlns:r="http://schemas.openxmlformats.org/officeDocument/2006/relationships" xmlns:p="http://schemas.openxmlformats.org/presentationml/2006/main">
-  <p:cSld>
-    <p:spTree>
-      <p:nvGrpSpPr>
-        <p:cNvPr id="1" name=""/>
-        <p:cNvGrpSpPr/>
-        <p:nvPr/>
-      </p:nvGrpSpPr>
-      <p:grpSpPr>
-        <a:xfrm>
-          <a:off x="0" y="0"/>
-          <a:ext cx="0" cy="0"/>
-          <a:chOff x="0" y="0"/>
-          <a:chExt cx="0" cy="0"/>
-        </a:xfrm>
-      </p:grpSpPr>
-      <p:sp>
-        <p:nvSpPr>
-          <p:cNvPr id="2" name="Title 1"/>
-          <p:cNvSpPr>
-            <a:spLocks noGrp="1"/>
-          </p:cNvSpPr>
-          <p:nvPr>
-            <p:ph type="title"/>
-          </p:nvPr>
-        </p:nvSpPr>
-        <p:spPr>
-          <a:xfrm>
-            <a:off x="457200" y="2438400"/>
-            <a:ext cx="8229600" cy="1143000"/>
-          </a:xfrm>
-        </p:spPr>
-        <p:txBody>
-          <a:bodyPr>
-            <a:normAutofit fontScale="90000"/>
-          </a:bodyPr>
-          <a:lstStyle/>
-          <a:p>
-            <a:r>
-              <a:rPr lang="en-US" dirty="0"/>
-              <a:t>The order of operations in </a:t>
-            </a:r>
-            <a:br>
-              <a:rPr lang="en-US" dirty="0"/>
-            </a:br>
-            <a:r>
-              <a:rPr lang="en-US" dirty="0"/>
-              <a:t>the event loop</a:t>
-            </a:r>
-          </a:p>
-        </p:txBody>
-      </p:sp>
-    </p:spTree>
-    <p:extLst>
-      <p:ext uri="{BB962C8B-B14F-4D97-AF65-F5344CB8AC3E}">
-        <p14:creationId xmlns:p14="http://schemas.microsoft.com/office/powerpoint/2010/main" val="3783755346"/>
-      </p:ext>
-    </p:extLst>
-  </p:cSld>
-  <p:clrMapOvr>
-    <a:masterClrMapping/>
-  </p:clrMapOvr>
-</p:sld>
-</file>
-
 <file path=ppt/slides/slide2.xml><?xml version="1.0" encoding="utf-8"?>
 <p:sld xmlns:a="http://schemas.openxmlformats.org/drawingml/2006/main" xmlns:r="http://schemas.openxmlformats.org/officeDocument/2006/relationships" xmlns:p="http://schemas.openxmlformats.org/presentationml/2006/main">
   <p:cSld>
@@ -8570,6 +8627,72 @@
 </file>
 
 <file path=ppt/slides/slide20.xml><?xml version="1.0" encoding="utf-8"?>
+<p:sld xmlns:a="http://schemas.openxmlformats.org/drawingml/2006/main" xmlns:r="http://schemas.openxmlformats.org/officeDocument/2006/relationships" xmlns:p="http://schemas.openxmlformats.org/presentationml/2006/main">
+  <p:cSld>
+    <p:spTree>
+      <p:nvGrpSpPr>
+        <p:cNvPr id="1" name=""/>
+        <p:cNvGrpSpPr/>
+        <p:nvPr/>
+      </p:nvGrpSpPr>
+      <p:grpSpPr>
+        <a:xfrm>
+          <a:off x="0" y="0"/>
+          <a:ext cx="0" cy="0"/>
+          <a:chOff x="0" y="0"/>
+          <a:chExt cx="0" cy="0"/>
+        </a:xfrm>
+      </p:grpSpPr>
+      <p:sp>
+        <p:nvSpPr>
+          <p:cNvPr id="2" name="Title 1"/>
+          <p:cNvSpPr>
+            <a:spLocks noGrp="1"/>
+          </p:cNvSpPr>
+          <p:nvPr>
+            <p:ph type="title"/>
+          </p:nvPr>
+        </p:nvSpPr>
+        <p:spPr>
+          <a:xfrm>
+            <a:off x="457200" y="2438400"/>
+            <a:ext cx="8229600" cy="1143000"/>
+          </a:xfrm>
+        </p:spPr>
+        <p:txBody>
+          <a:bodyPr>
+            <a:normAutofit fontScale="90000"/>
+          </a:bodyPr>
+          <a:lstStyle/>
+          <a:p>
+            <a:r>
+              <a:rPr lang="en-US" dirty="0"/>
+              <a:t>The order of operations in </a:t>
+            </a:r>
+            <a:br>
+              <a:rPr lang="en-US" dirty="0"/>
+            </a:br>
+            <a:r>
+              <a:rPr lang="en-US" dirty="0"/>
+              <a:t>the event loop</a:t>
+            </a:r>
+          </a:p>
+        </p:txBody>
+      </p:sp>
+    </p:spTree>
+    <p:extLst>
+      <p:ext uri="{BB962C8B-B14F-4D97-AF65-F5344CB8AC3E}">
+        <p14:creationId xmlns:p14="http://schemas.microsoft.com/office/powerpoint/2010/main" val="3783755346"/>
+      </p:ext>
+    </p:extLst>
+  </p:cSld>
+  <p:clrMapOvr>
+    <a:masterClrMapping/>
+  </p:clrMapOvr>
+</p:sld>
+</file>
+
+<file path=ppt/slides/slide21.xml><?xml version="1.0" encoding="utf-8"?>
 <p:sld xmlns:a="http://schemas.openxmlformats.org/drawingml/2006/main" xmlns:r="http://schemas.openxmlformats.org/officeDocument/2006/relationships" xmlns:p="http://schemas.openxmlformats.org/presentationml/2006/main">
   <p:cSld>
     <p:spTree>
@@ -8652,7 +8775,7 @@
 </p:sld>
 </file>
 
-<file path=ppt/slides/slide21.xml><?xml version="1.0" encoding="utf-8"?>
+<file path=ppt/slides/slide22.xml><?xml version="1.0" encoding="utf-8"?>
 <p:sld xmlns:a="http://schemas.openxmlformats.org/drawingml/2006/main" xmlns:r="http://schemas.openxmlformats.org/officeDocument/2006/relationships" xmlns:p="http://schemas.openxmlformats.org/presentationml/2006/main">
   <p:cSld>
     <p:spTree>
@@ -8733,7 +8856,7 @@
 </p:sld>
 </file>
 
-<file path=ppt/slides/slide22.xml><?xml version="1.0" encoding="utf-8"?>
+<file path=ppt/slides/slide23.xml><?xml version="1.0" encoding="utf-8"?>
 <p:sld xmlns:a="http://schemas.openxmlformats.org/drawingml/2006/main" xmlns:r="http://schemas.openxmlformats.org/officeDocument/2006/relationships" xmlns:p="http://schemas.openxmlformats.org/presentationml/2006/main">
   <p:cSld>
     <p:spTree>
@@ -8813,12 +8936,12 @@
               <a:t>Timer’s callback scheduling </a:t>
             </a:r>
             <a:r>
-              <a:rPr lang="en-US" dirty="0" err="1"/>
-              <a:t>controled</a:t>
-            </a:r>
-            <a:r>
-              <a:rPr lang="en-US" dirty="0"/>
-              <a:t> by the “poll” phase</a:t>
+              <a:rPr lang="en-US" dirty="0" smtClean="0"/>
+              <a:t>controlled </a:t>
+            </a:r>
+            <a:r>
+              <a:rPr lang="en-US" dirty="0"/>
+              <a:t>by the “poll” phase</a:t>
             </a:r>
           </a:p>
         </p:txBody>
@@ -8836,7 +8959,7 @@
 </p:sld>
 </file>
 
-<file path=ppt/slides/slide23.xml><?xml version="1.0" encoding="utf-8"?>
+<file path=ppt/slides/slide24.xml><?xml version="1.0" encoding="utf-8"?>
 <p:sld xmlns:a="http://schemas.openxmlformats.org/drawingml/2006/main" xmlns:r="http://schemas.openxmlformats.org/officeDocument/2006/relationships" xmlns:p="http://schemas.openxmlformats.org/presentationml/2006/main">
   <p:cSld>
     <p:spTree>
@@ -8956,7 +9079,7 @@
 </p:sld>
 </file>
 
-<file path=ppt/slides/slide24.xml><?xml version="1.0" encoding="utf-8"?>
+<file path=ppt/slides/slide25.xml><?xml version="1.0" encoding="utf-8"?>
 <p:sld xmlns:a="http://schemas.openxmlformats.org/drawingml/2006/main" xmlns:r="http://schemas.openxmlformats.org/officeDocument/2006/relationships" xmlns:p="http://schemas.openxmlformats.org/presentationml/2006/main">
   <p:cSld>
     <p:spTree>
@@ -9419,94 +9542,6 @@
 </p:sld>
 </file>
 
-<file path=ppt/slides/slide25.xml><?xml version="1.0" encoding="utf-8"?>
-<p:sld xmlns:a="http://schemas.openxmlformats.org/drawingml/2006/main" xmlns:r="http://schemas.openxmlformats.org/officeDocument/2006/relationships" xmlns:p="http://schemas.openxmlformats.org/presentationml/2006/main">
-  <p:cSld>
-    <p:spTree>
-      <p:nvGrpSpPr>
-        <p:cNvPr id="1" name=""/>
-        <p:cNvGrpSpPr/>
-        <p:nvPr/>
-      </p:nvGrpSpPr>
-      <p:grpSpPr>
-        <a:xfrm>
-          <a:off x="0" y="0"/>
-          <a:ext cx="0" cy="0"/>
-          <a:chOff x="0" y="0"/>
-          <a:chExt cx="0" cy="0"/>
-        </a:xfrm>
-      </p:grpSpPr>
-      <p:sp>
-        <p:nvSpPr>
-          <p:cNvPr id="2" name="Title 1"/>
-          <p:cNvSpPr>
-            <a:spLocks noGrp="1"/>
-          </p:cNvSpPr>
-          <p:nvPr>
-            <p:ph type="title"/>
-          </p:nvPr>
-        </p:nvSpPr>
-        <p:spPr/>
-        <p:txBody>
-          <a:bodyPr/>
-          <a:lstStyle/>
-          <a:p>
-            <a:r>
-              <a:rPr lang="en-US" dirty="0"/>
-              <a:t>Check Phase and Close Phase</a:t>
-            </a:r>
-          </a:p>
-        </p:txBody>
-      </p:sp>
-      <p:sp>
-        <p:nvSpPr>
-          <p:cNvPr id="3" name="Content Placeholder 2"/>
-          <p:cNvSpPr>
-            <a:spLocks noGrp="1"/>
-          </p:cNvSpPr>
-          <p:nvPr>
-            <p:ph idx="1"/>
-          </p:nvPr>
-        </p:nvSpPr>
-        <p:spPr/>
-        <p:txBody>
-          <a:bodyPr/>
-          <a:lstStyle/>
-          <a:p>
-            <a:r>
-              <a:rPr lang="en-US" dirty="0"/>
-              <a:t>Check Phase - Execute callbacks for </a:t>
-            </a:r>
-            <a:r>
-              <a:rPr lang="en-US" dirty="0" err="1"/>
-              <a:t>setImmediate</a:t>
-            </a:r>
-            <a:r>
-              <a:rPr lang="en-US" dirty="0"/>
-              <a:t> timers</a:t>
-            </a:r>
-          </a:p>
-          <a:p>
-            <a:r>
-              <a:rPr lang="en-US" dirty="0"/>
-              <a:t>Close Phase – Handles an abruptly close of a socket or a handle</a:t>
-            </a:r>
-          </a:p>
-        </p:txBody>
-      </p:sp>
-    </p:spTree>
-    <p:extLst>
-      <p:ext uri="{BB962C8B-B14F-4D97-AF65-F5344CB8AC3E}">
-        <p14:creationId xmlns:p14="http://schemas.microsoft.com/office/powerpoint/2010/main" val="2916599678"/>
-      </p:ext>
-    </p:extLst>
-  </p:cSld>
-  <p:clrMapOvr>
-    <a:masterClrMapping/>
-  </p:clrMapOvr>
-</p:sld>
-</file>
-
 <file path=ppt/slides/slide26.xml><?xml version="1.0" encoding="utf-8"?>
 <p:sld xmlns:a="http://schemas.openxmlformats.org/drawingml/2006/main" xmlns:r="http://schemas.openxmlformats.org/officeDocument/2006/relationships" xmlns:p="http://schemas.openxmlformats.org/presentationml/2006/main">
   <p:cSld>
@@ -9540,74 +9575,52 @@
           <a:lstStyle/>
           <a:p>
             <a:r>
+              <a:rPr lang="en-US" dirty="0"/>
+              <a:t>Check Phase and Close Phase</a:t>
+            </a:r>
+          </a:p>
+        </p:txBody>
+      </p:sp>
+      <p:sp>
+        <p:nvSpPr>
+          <p:cNvPr id="3" name="Content Placeholder 2"/>
+          <p:cNvSpPr>
+            <a:spLocks noGrp="1"/>
+          </p:cNvSpPr>
+          <p:nvPr>
+            <p:ph idx="1"/>
+          </p:nvPr>
+        </p:nvSpPr>
+        <p:spPr/>
+        <p:txBody>
+          <a:bodyPr/>
+          <a:lstStyle/>
+          <a:p>
+            <a:r>
+              <a:rPr lang="en-US" dirty="0"/>
+              <a:t>Check Phase - Execute callbacks for </a:t>
+            </a:r>
+            <a:r>
               <a:rPr lang="en-US" dirty="0" err="1"/>
-              <a:t>Process.nextTick</a:t>
-            </a:r>
-            <a:r>
-              <a:rPr lang="en-US" dirty="0"/>
-              <a:t>()</a:t>
-            </a:r>
-          </a:p>
-        </p:txBody>
-      </p:sp>
-      <p:sp>
-        <p:nvSpPr>
-          <p:cNvPr id="3" name="Content Placeholder 2"/>
-          <p:cNvSpPr>
-            <a:spLocks noGrp="1"/>
-          </p:cNvSpPr>
-          <p:nvPr>
-            <p:ph idx="1"/>
-          </p:nvPr>
-        </p:nvSpPr>
-        <p:spPr>
-          <a:xfrm>
-            <a:off x="609599" y="1752600"/>
-            <a:ext cx="6347714" cy="3880773"/>
-          </a:xfrm>
-        </p:spPr>
-        <p:txBody>
-          <a:bodyPr/>
-          <a:lstStyle/>
-          <a:p>
-            <a:r>
-              <a:rPr lang="en-US" dirty="0"/>
-              <a:t>Not part of the event loop</a:t>
-            </a:r>
-          </a:p>
-          <a:p>
-            <a:r>
-              <a:rPr lang="en-US" dirty="0"/>
-              <a:t>Runs before any </a:t>
-            </a:r>
-            <a:r>
-              <a:rPr lang="en-US" dirty="0" smtClean="0"/>
-              <a:t>I/O </a:t>
-            </a:r>
-            <a:r>
-              <a:rPr lang="en-US" dirty="0"/>
-              <a:t>operation</a:t>
-            </a:r>
-          </a:p>
-          <a:p>
-            <a:r>
-              <a:rPr lang="en-US" dirty="0"/>
-              <a:t>Will be executed right away </a:t>
-            </a:r>
-          </a:p>
-          <a:p>
-            <a:r>
-              <a:rPr lang="en-US" b="1" dirty="0" smtClean="0"/>
-              <a:t>Careful ! Starvation</a:t>
-            </a:r>
-            <a:endParaRPr lang="en-US" b="1" dirty="0"/>
+              <a:t>setImmediate</a:t>
+            </a:r>
+            <a:r>
+              <a:rPr lang="en-US" dirty="0"/>
+              <a:t> timers</a:t>
+            </a:r>
+          </a:p>
+          <a:p>
+            <a:r>
+              <a:rPr lang="en-US" dirty="0"/>
+              <a:t>Close Phase – Handles an abruptly close of a socket or a handle</a:t>
+            </a:r>
           </a:p>
         </p:txBody>
       </p:sp>
     </p:spTree>
     <p:extLst>
       <p:ext uri="{BB962C8B-B14F-4D97-AF65-F5344CB8AC3E}">
-        <p14:creationId xmlns:p14="http://schemas.microsoft.com/office/powerpoint/2010/main" val="3360318113"/>
+        <p14:creationId xmlns:p14="http://schemas.microsoft.com/office/powerpoint/2010/main" val="2916599678"/>
       </p:ext>
     </p:extLst>
   </p:cSld>
@@ -9644,10 +9657,36 @@
             <p:ph type="title"/>
           </p:nvPr>
         </p:nvSpPr>
+        <p:spPr/>
+        <p:txBody>
+          <a:bodyPr/>
+          <a:lstStyle/>
+          <a:p>
+            <a:r>
+              <a:rPr lang="en-US" dirty="0" err="1"/>
+              <a:t>Process.nextTick</a:t>
+            </a:r>
+            <a:r>
+              <a:rPr lang="en-US" dirty="0"/>
+              <a:t>()</a:t>
+            </a:r>
+          </a:p>
+        </p:txBody>
+      </p:sp>
+      <p:sp>
+        <p:nvSpPr>
+          <p:cNvPr id="3" name="Content Placeholder 2"/>
+          <p:cNvSpPr>
+            <a:spLocks noGrp="1"/>
+          </p:cNvSpPr>
+          <p:nvPr>
+            <p:ph idx="1"/>
+          </p:nvPr>
+        </p:nvSpPr>
         <p:spPr>
           <a:xfrm>
-            <a:off x="457200" y="2590800"/>
-            <a:ext cx="8229600" cy="1143000"/>
+            <a:off x="609599" y="1752600"/>
+            <a:ext cx="6347714" cy="3880773"/>
           </a:xfrm>
         </p:spPr>
         <p:txBody>
@@ -9656,15 +9695,42 @@
           <a:p>
             <a:r>
               <a:rPr lang="en-US" dirty="0"/>
-              <a:t>The secret of Node Scalability</a:t>
-            </a:r>
+              <a:t>Not part of the event loop</a:t>
+            </a:r>
+          </a:p>
+          <a:p>
+            <a:r>
+              <a:rPr lang="en-US" dirty="0"/>
+              <a:t>Runs before any </a:t>
+            </a:r>
+            <a:r>
+              <a:rPr lang="en-US" dirty="0" smtClean="0"/>
+              <a:t>I/O </a:t>
+            </a:r>
+            <a:r>
+              <a:rPr lang="en-US" dirty="0"/>
+              <a:t>operation</a:t>
+            </a:r>
+          </a:p>
+          <a:p>
+            <a:r>
+              <a:rPr lang="en-US" dirty="0"/>
+              <a:t>Will be executed right away </a:t>
+            </a:r>
+          </a:p>
+          <a:p>
+            <a:r>
+              <a:rPr lang="en-US" b="1" dirty="0" smtClean="0"/>
+              <a:t>Careful ! Starvation</a:t>
+            </a:r>
+            <a:endParaRPr lang="en-US" b="1" dirty="0"/>
           </a:p>
         </p:txBody>
       </p:sp>
     </p:spTree>
     <p:extLst>
       <p:ext uri="{BB962C8B-B14F-4D97-AF65-F5344CB8AC3E}">
-        <p14:creationId xmlns:p14="http://schemas.microsoft.com/office/powerpoint/2010/main" val="3450023123"/>
+        <p14:creationId xmlns:p14="http://schemas.microsoft.com/office/powerpoint/2010/main" val="3360318113"/>
       </p:ext>
     </p:extLst>
   </p:cSld>
@@ -9701,32 +9767,10 @@
             <p:ph type="title"/>
           </p:nvPr>
         </p:nvSpPr>
-        <p:spPr/>
-        <p:txBody>
-          <a:bodyPr/>
-          <a:lstStyle/>
-          <a:p>
-            <a:r>
-              <a:rPr lang="en-US" dirty="0"/>
-              <a:t>Why Node scales well ?</a:t>
-            </a:r>
-          </a:p>
-        </p:txBody>
-      </p:sp>
-      <p:sp>
-        <p:nvSpPr>
-          <p:cNvPr id="3" name="Content Placeholder 2"/>
-          <p:cNvSpPr>
-            <a:spLocks noGrp="1"/>
-          </p:cNvSpPr>
-          <p:nvPr>
-            <p:ph idx="1"/>
-          </p:nvPr>
-        </p:nvSpPr>
         <p:spPr>
           <a:xfrm>
-            <a:off x="609598" y="1752600"/>
-            <a:ext cx="6347714" cy="3880773"/>
+            <a:off x="457200" y="2590800"/>
+            <a:ext cx="8229600" cy="1143000"/>
           </a:xfrm>
         </p:spPr>
         <p:txBody>
@@ -9735,43 +9779,7 @@
           <a:p>
             <a:r>
               <a:rPr lang="en-US" dirty="0"/>
-              <a:t>Small number of threads to handle many clients</a:t>
-            </a:r>
-          </a:p>
-          <a:p>
-            <a:pPr lvl="1"/>
-            <a:r>
-              <a:rPr lang="en-US" dirty="0"/>
-              <a:t>One thread for event loop</a:t>
-            </a:r>
-          </a:p>
-          <a:p>
-            <a:pPr lvl="1"/>
-            <a:r>
-              <a:rPr lang="en-US" dirty="0"/>
-              <a:t>Constant amount of threads in workers pool</a:t>
-            </a:r>
-          </a:p>
-          <a:p>
-            <a:r>
-              <a:rPr lang="en-US" dirty="0"/>
-              <a:t>Spend more time and memory working on </a:t>
-            </a:r>
-            <a:r>
-              <a:rPr lang="en-US" dirty="0" smtClean="0"/>
-              <a:t>clients actual work </a:t>
-            </a:r>
-            <a:r>
-              <a:rPr lang="en-US" dirty="0"/>
-              <a:t>rather </a:t>
-            </a:r>
-            <a:r>
-              <a:rPr lang="en-US" dirty="0" smtClean="0"/>
-              <a:t>than </a:t>
-            </a:r>
-            <a:r>
-              <a:rPr lang="en-US" dirty="0"/>
-              <a:t>paying space and time overheads for threads</a:t>
+              <a:t>The secret of Node Scalability</a:t>
             </a:r>
           </a:p>
         </p:txBody>
@@ -9779,7 +9787,7 @@
     </p:spTree>
     <p:extLst>
       <p:ext uri="{BB962C8B-B14F-4D97-AF65-F5344CB8AC3E}">
-        <p14:creationId xmlns:p14="http://schemas.microsoft.com/office/powerpoint/2010/main" val="1335465332"/>
+        <p14:creationId xmlns:p14="http://schemas.microsoft.com/office/powerpoint/2010/main" val="3450023123"/>
       </p:ext>
     </p:extLst>
   </p:cSld>
@@ -9823,7 +9831,7 @@
           <a:p>
             <a:r>
               <a:rPr lang="en-US" dirty="0"/>
-              <a:t>Each Thread is critical !</a:t>
+              <a:t>Why Node scales well ?</a:t>
             </a:r>
           </a:p>
         </p:txBody>
@@ -9840,8 +9848,8 @@
         </p:nvSpPr>
         <p:spPr>
           <a:xfrm>
-            <a:off x="609599" y="1524000"/>
-            <a:ext cx="6553201" cy="4525963"/>
+            <a:off x="609598" y="1752600"/>
+            <a:ext cx="6347714" cy="3880773"/>
           </a:xfrm>
         </p:spPr>
         <p:txBody>
@@ -9850,43 +9858,51 @@
           <a:p>
             <a:r>
               <a:rPr lang="en-US" dirty="0"/>
-              <a:t>Blocked Thread :</a:t>
+              <a:t>Small number of threads to handle many clients</a:t>
             </a:r>
           </a:p>
           <a:p>
             <a:pPr lvl="1"/>
             <a:r>
               <a:rPr lang="en-US" dirty="0"/>
-              <a:t>Long callback (event loop)</a:t>
+              <a:t>One thread for event loop</a:t>
             </a:r>
           </a:p>
           <a:p>
             <a:pPr lvl="1"/>
             <a:r>
               <a:rPr lang="en-US" dirty="0"/>
-              <a:t>Long task (worker pool)</a:t>
-            </a:r>
-          </a:p>
-          <a:p>
-            <a:r>
-              <a:rPr lang="en-US" dirty="0"/>
-              <a:t>If thread is blocked  - cannot handle requests from any other </a:t>
+              <a:t>Constant amount of threads in workers pool</a:t>
+            </a:r>
+          </a:p>
+          <a:p>
+            <a:r>
+              <a:rPr lang="en-US" dirty="0"/>
+              <a:t>Spend more time and memory working on </a:t>
             </a:r>
             <a:r>
               <a:rPr lang="en-US" dirty="0" smtClean="0"/>
-              <a:t>client.</a:t>
-            </a:r>
-            <a:endParaRPr lang="en-US" dirty="0"/>
-          </a:p>
-          <a:p>
-            <a:endParaRPr lang="en-US" dirty="0"/>
+              <a:t>clients actual work </a:t>
+            </a:r>
+            <a:r>
+              <a:rPr lang="en-US" dirty="0"/>
+              <a:t>rather </a:t>
+            </a:r>
+            <a:r>
+              <a:rPr lang="en-US" dirty="0" smtClean="0"/>
+              <a:t>than </a:t>
+            </a:r>
+            <a:r>
+              <a:rPr lang="en-US" dirty="0"/>
+              <a:t>paying space and time overheads for threads</a:t>
+            </a:r>
           </a:p>
         </p:txBody>
       </p:sp>
     </p:spTree>
     <p:extLst>
       <p:ext uri="{BB962C8B-B14F-4D97-AF65-F5344CB8AC3E}">
-        <p14:creationId xmlns:p14="http://schemas.microsoft.com/office/powerpoint/2010/main" val="1513092891"/>
+        <p14:creationId xmlns:p14="http://schemas.microsoft.com/office/powerpoint/2010/main" val="1335465332"/>
       </p:ext>
     </p:extLst>
   </p:cSld>
@@ -10027,6 +10043,113 @@
           <a:p>
             <a:r>
               <a:rPr lang="en-US" dirty="0"/>
+              <a:t>Each Thread is critical !</a:t>
+            </a:r>
+          </a:p>
+        </p:txBody>
+      </p:sp>
+      <p:sp>
+        <p:nvSpPr>
+          <p:cNvPr id="3" name="Content Placeholder 2"/>
+          <p:cNvSpPr>
+            <a:spLocks noGrp="1"/>
+          </p:cNvSpPr>
+          <p:nvPr>
+            <p:ph idx="1"/>
+          </p:nvPr>
+        </p:nvSpPr>
+        <p:spPr>
+          <a:xfrm>
+            <a:off x="609599" y="1524000"/>
+            <a:ext cx="6553201" cy="4525963"/>
+          </a:xfrm>
+        </p:spPr>
+        <p:txBody>
+          <a:bodyPr/>
+          <a:lstStyle/>
+          <a:p>
+            <a:r>
+              <a:rPr lang="en-US" dirty="0"/>
+              <a:t>Blocked Thread :</a:t>
+            </a:r>
+          </a:p>
+          <a:p>
+            <a:pPr lvl="1"/>
+            <a:r>
+              <a:rPr lang="en-US" dirty="0"/>
+              <a:t>Long callback (event loop)</a:t>
+            </a:r>
+          </a:p>
+          <a:p>
+            <a:pPr lvl="1"/>
+            <a:r>
+              <a:rPr lang="en-US" dirty="0"/>
+              <a:t>Long task (worker pool)</a:t>
+            </a:r>
+          </a:p>
+          <a:p>
+            <a:r>
+              <a:rPr lang="en-US" dirty="0"/>
+              <a:t>If thread is blocked  - cannot handle requests from any other </a:t>
+            </a:r>
+            <a:r>
+              <a:rPr lang="en-US" dirty="0" smtClean="0"/>
+              <a:t>client.</a:t>
+            </a:r>
+            <a:endParaRPr lang="en-US" dirty="0"/>
+          </a:p>
+          <a:p>
+            <a:endParaRPr lang="en-US" dirty="0"/>
+          </a:p>
+        </p:txBody>
+      </p:sp>
+    </p:spTree>
+    <p:extLst>
+      <p:ext uri="{BB962C8B-B14F-4D97-AF65-F5344CB8AC3E}">
+        <p14:creationId xmlns:p14="http://schemas.microsoft.com/office/powerpoint/2010/main" val="1513092891"/>
+      </p:ext>
+    </p:extLst>
+  </p:cSld>
+  <p:clrMapOvr>
+    <a:masterClrMapping/>
+  </p:clrMapOvr>
+</p:sld>
+</file>
+
+<file path=ppt/slides/slide31.xml><?xml version="1.0" encoding="utf-8"?>
+<p:sld xmlns:a="http://schemas.openxmlformats.org/drawingml/2006/main" xmlns:r="http://schemas.openxmlformats.org/officeDocument/2006/relationships" xmlns:p="http://schemas.openxmlformats.org/presentationml/2006/main">
+  <p:cSld>
+    <p:spTree>
+      <p:nvGrpSpPr>
+        <p:cNvPr id="1" name=""/>
+        <p:cNvGrpSpPr/>
+        <p:nvPr/>
+      </p:nvGrpSpPr>
+      <p:grpSpPr>
+        <a:xfrm>
+          <a:off x="0" y="0"/>
+          <a:ext cx="0" cy="0"/>
+          <a:chOff x="0" y="0"/>
+          <a:chExt cx="0" cy="0"/>
+        </a:xfrm>
+      </p:grpSpPr>
+      <p:sp>
+        <p:nvSpPr>
+          <p:cNvPr id="2" name="Title 1"/>
+          <p:cNvSpPr>
+            <a:spLocks noGrp="1"/>
+          </p:cNvSpPr>
+          <p:nvPr>
+            <p:ph type="title"/>
+          </p:nvPr>
+        </p:nvSpPr>
+        <p:spPr/>
+        <p:txBody>
+          <a:bodyPr/>
+          <a:lstStyle/>
+          <a:p>
+            <a:r>
+              <a:rPr lang="en-US" dirty="0"/>
               <a:t>Conclusion</a:t>
             </a:r>
           </a:p>
@@ -10111,7 +10234,7 @@
 </p:sld>
 </file>
 
-<file path=ppt/slides/slide31.xml><?xml version="1.0" encoding="utf-8"?>
+<file path=ppt/slides/slide32.xml><?xml version="1.0" encoding="utf-8"?>
 <p:sld xmlns:a="http://schemas.openxmlformats.org/drawingml/2006/main" xmlns:r="http://schemas.openxmlformats.org/officeDocument/2006/relationships" xmlns:p="http://schemas.openxmlformats.org/presentationml/2006/main">
   <p:cSld>
     <p:spTree>
@@ -10965,6 +11088,64 @@
             <p:ph type="title"/>
           </p:nvPr>
         </p:nvSpPr>
+        <p:spPr>
+          <a:xfrm>
+            <a:off x="609599" y="2108200"/>
+            <a:ext cx="6347713" cy="1320800"/>
+          </a:xfrm>
+        </p:spPr>
+        <p:txBody>
+          <a:bodyPr/>
+          <a:lstStyle/>
+          <a:p>
+            <a:r>
+              <a:rPr lang="en-US" dirty="0" smtClean="0"/>
+              <a:t>Event Loop In A Nutshell</a:t>
+            </a:r>
+            <a:endParaRPr lang="en-US" dirty="0"/>
+          </a:p>
+        </p:txBody>
+      </p:sp>
+    </p:spTree>
+    <p:extLst>
+      <p:ext uri="{BB962C8B-B14F-4D97-AF65-F5344CB8AC3E}">
+        <p14:creationId xmlns:p14="http://schemas.microsoft.com/office/powerpoint/2010/main" val="2246011631"/>
+      </p:ext>
+    </p:extLst>
+  </p:cSld>
+  <p:clrMapOvr>
+    <a:masterClrMapping/>
+  </p:clrMapOvr>
+</p:sld>
+</file>
+
+<file path=ppt/slides/slide9.xml><?xml version="1.0" encoding="utf-8"?>
+<p:sld xmlns:a="http://schemas.openxmlformats.org/drawingml/2006/main" xmlns:r="http://schemas.openxmlformats.org/officeDocument/2006/relationships" xmlns:p="http://schemas.openxmlformats.org/presentationml/2006/main">
+  <p:cSld>
+    <p:spTree>
+      <p:nvGrpSpPr>
+        <p:cNvPr id="1" name=""/>
+        <p:cNvGrpSpPr/>
+        <p:nvPr/>
+      </p:nvGrpSpPr>
+      <p:grpSpPr>
+        <a:xfrm>
+          <a:off x="0" y="0"/>
+          <a:ext cx="0" cy="0"/>
+          <a:chOff x="0" y="0"/>
+          <a:chExt cx="0" cy="0"/>
+        </a:xfrm>
+      </p:grpSpPr>
+      <p:sp>
+        <p:nvSpPr>
+          <p:cNvPr id="2" name="Title 1"/>
+          <p:cNvSpPr>
+            <a:spLocks noGrp="1"/>
+          </p:cNvSpPr>
+          <p:nvPr>
+            <p:ph type="title"/>
+          </p:nvPr>
+        </p:nvSpPr>
         <p:spPr/>
         <p:txBody>
           <a:bodyPr/>
@@ -11010,128 +11191,6 @@
     <p:extLst>
       <p:ext uri="{BB962C8B-B14F-4D97-AF65-F5344CB8AC3E}">
         <p14:creationId xmlns:p14="http://schemas.microsoft.com/office/powerpoint/2010/main" val="2792461982"/>
-      </p:ext>
-    </p:extLst>
-  </p:cSld>
-  <p:clrMapOvr>
-    <a:masterClrMapping/>
-  </p:clrMapOvr>
-  <p:timing>
-    <p:tnLst>
-      <p:par>
-        <p:cTn id="1" dur="indefinite" restart="never" nodeType="tmRoot"/>
-      </p:par>
-    </p:tnLst>
-  </p:timing>
-</p:sld>
-</file>
-
-<file path=ppt/slides/slide9.xml><?xml version="1.0" encoding="utf-8"?>
-<p:sld xmlns:a="http://schemas.openxmlformats.org/drawingml/2006/main" xmlns:r="http://schemas.openxmlformats.org/officeDocument/2006/relationships" xmlns:p="http://schemas.openxmlformats.org/presentationml/2006/main">
-  <p:cSld>
-    <p:spTree>
-      <p:nvGrpSpPr>
-        <p:cNvPr id="1" name=""/>
-        <p:cNvGrpSpPr/>
-        <p:nvPr/>
-      </p:nvGrpSpPr>
-      <p:grpSpPr>
-        <a:xfrm>
-          <a:off x="0" y="0"/>
-          <a:ext cx="0" cy="0"/>
-          <a:chOff x="0" y="0"/>
-          <a:chExt cx="0" cy="0"/>
-        </a:xfrm>
-      </p:grpSpPr>
-      <p:sp>
-        <p:nvSpPr>
-          <p:cNvPr id="2" name="Title 1"/>
-          <p:cNvSpPr>
-            <a:spLocks noGrp="1"/>
-          </p:cNvSpPr>
-          <p:nvPr>
-            <p:ph type="title"/>
-          </p:nvPr>
-        </p:nvSpPr>
-        <p:spPr/>
-        <p:txBody>
-          <a:bodyPr/>
-          <a:lstStyle/>
-          <a:p>
-            <a:r>
-              <a:rPr lang="en-US" dirty="0"/>
-              <a:t>Event loop in a nutshell</a:t>
-            </a:r>
-          </a:p>
-        </p:txBody>
-      </p:sp>
-      <p:sp>
-        <p:nvSpPr>
-          <p:cNvPr id="3" name="Content Placeholder 2"/>
-          <p:cNvSpPr>
-            <a:spLocks noGrp="1"/>
-          </p:cNvSpPr>
-          <p:nvPr>
-            <p:ph idx="1"/>
-          </p:nvPr>
-        </p:nvSpPr>
-        <p:spPr/>
-        <p:txBody>
-          <a:bodyPr/>
-          <a:lstStyle/>
-          <a:p>
-            <a:r>
-              <a:rPr lang="en-US" dirty="0"/>
-              <a:t>What enables </a:t>
-            </a:r>
-            <a:r>
-              <a:rPr lang="en-US" dirty="0" smtClean="0"/>
-              <a:t>Node.js </a:t>
-            </a:r>
-            <a:r>
-              <a:rPr lang="en-US" dirty="0"/>
-              <a:t>to perform non blocking </a:t>
-            </a:r>
-            <a:r>
-              <a:rPr lang="en-US" dirty="0" smtClean="0"/>
-              <a:t>I/O</a:t>
-            </a:r>
-            <a:endParaRPr lang="en-US" dirty="0"/>
-          </a:p>
-          <a:p>
-            <a:r>
-              <a:rPr lang="en-US" dirty="0"/>
-              <a:t>Offloading </a:t>
-            </a:r>
-            <a:r>
-              <a:rPr lang="en-US" dirty="0" smtClean="0"/>
-              <a:t>I/O </a:t>
-            </a:r>
-            <a:r>
-              <a:rPr lang="en-US" dirty="0"/>
-              <a:t>operations to system kernel whenever possible</a:t>
-            </a:r>
-          </a:p>
-          <a:p>
-            <a:r>
-              <a:rPr lang="en-US" dirty="0"/>
-              <a:t>Kernel informs </a:t>
-            </a:r>
-            <a:r>
-              <a:rPr lang="en-US" dirty="0" smtClean="0"/>
-              <a:t>Node.js </a:t>
-            </a:r>
-            <a:r>
-              <a:rPr lang="en-US" dirty="0"/>
-              <a:t>that operation completed, callback queued in appropriate queue</a:t>
-            </a:r>
-          </a:p>
-        </p:txBody>
-      </p:sp>
-    </p:spTree>
-    <p:extLst>
-      <p:ext uri="{BB962C8B-B14F-4D97-AF65-F5344CB8AC3E}">
-        <p14:creationId xmlns:p14="http://schemas.microsoft.com/office/powerpoint/2010/main" val="363921970"/>
       </p:ext>
     </p:extLst>
   </p:cSld>

--- a/day1/event_loop_deep_dive/event_loop_deep_dive.pptx
+++ b/day1/event_loop_deep_dive/event_loop_deep_dive.pptx
@@ -5,7 +5,7 @@
     <p:sldMasterId id="2147483689" r:id="rId1"/>
   </p:sldMasterIdLst>
   <p:notesMasterIdLst>
-    <p:notesMasterId r:id="rId34"/>
+    <p:notesMasterId r:id="rId38"/>
   </p:notesMasterIdLst>
   <p:sldIdLst>
     <p:sldId id="256" r:id="rId2"/>
@@ -15,31 +15,35 @@
     <p:sldId id="273" r:id="rId6"/>
     <p:sldId id="285" r:id="rId7"/>
     <p:sldId id="283" r:id="rId8"/>
-    <p:sldId id="315" r:id="rId9"/>
-    <p:sldId id="274" r:id="rId10"/>
-    <p:sldId id="287" r:id="rId11"/>
-    <p:sldId id="314" r:id="rId12"/>
-    <p:sldId id="288" r:id="rId13"/>
-    <p:sldId id="289" r:id="rId14"/>
-    <p:sldId id="290" r:id="rId15"/>
-    <p:sldId id="291" r:id="rId16"/>
-    <p:sldId id="294" r:id="rId17"/>
-    <p:sldId id="293" r:id="rId18"/>
-    <p:sldId id="295" r:id="rId19"/>
-    <p:sldId id="292" r:id="rId20"/>
-    <p:sldId id="296" r:id="rId21"/>
-    <p:sldId id="286" r:id="rId22"/>
-    <p:sldId id="302" r:id="rId23"/>
-    <p:sldId id="297" r:id="rId24"/>
-    <p:sldId id="298" r:id="rId25"/>
-    <p:sldId id="299" r:id="rId26"/>
-    <p:sldId id="301" r:id="rId27"/>
-    <p:sldId id="303" r:id="rId28"/>
-    <p:sldId id="309" r:id="rId29"/>
-    <p:sldId id="310" r:id="rId30"/>
-    <p:sldId id="311" r:id="rId31"/>
-    <p:sldId id="312" r:id="rId32"/>
-    <p:sldId id="304" r:id="rId33"/>
+    <p:sldId id="316" r:id="rId9"/>
+    <p:sldId id="315" r:id="rId10"/>
+    <p:sldId id="274" r:id="rId11"/>
+    <p:sldId id="287" r:id="rId12"/>
+    <p:sldId id="314" r:id="rId13"/>
+    <p:sldId id="288" r:id="rId14"/>
+    <p:sldId id="317" r:id="rId15"/>
+    <p:sldId id="289" r:id="rId16"/>
+    <p:sldId id="290" r:id="rId17"/>
+    <p:sldId id="291" r:id="rId18"/>
+    <p:sldId id="318" r:id="rId19"/>
+    <p:sldId id="294" r:id="rId20"/>
+    <p:sldId id="293" r:id="rId21"/>
+    <p:sldId id="295" r:id="rId22"/>
+    <p:sldId id="292" r:id="rId23"/>
+    <p:sldId id="296" r:id="rId24"/>
+    <p:sldId id="286" r:id="rId25"/>
+    <p:sldId id="319" r:id="rId26"/>
+    <p:sldId id="302" r:id="rId27"/>
+    <p:sldId id="297" r:id="rId28"/>
+    <p:sldId id="298" r:id="rId29"/>
+    <p:sldId id="299" r:id="rId30"/>
+    <p:sldId id="301" r:id="rId31"/>
+    <p:sldId id="303" r:id="rId32"/>
+    <p:sldId id="309" r:id="rId33"/>
+    <p:sldId id="310" r:id="rId34"/>
+    <p:sldId id="311" r:id="rId35"/>
+    <p:sldId id="312" r:id="rId36"/>
+    <p:sldId id="304" r:id="rId37"/>
   </p:sldIdLst>
   <p:sldSz cx="9144000" cy="6858000" type="screen4x3"/>
   <p:notesSz cx="6858000" cy="9144000"/>
@@ -140,7 +144,7 @@
   </p:defaultTextStyle>
   <p:extLst>
     <p:ext uri="{EFAFB233-063F-42B5-8137-9DF3F51BA10A}">
-      <p15:sldGuideLst xmlns="" xmlns:p15="http://schemas.microsoft.com/office/powerpoint/2012/main">
+      <p15:sldGuideLst xmlns:p15="http://schemas.microsoft.com/office/powerpoint/2012/main" xmlns="">
         <p15:guide id="1" orient="horz" pos="2160">
           <p15:clr>
             <a:srgbClr val="A4A3A4"/>
@@ -6701,78 +6705,44 @@
           <a:p>
             <a:r>
               <a:rPr lang="en-US" dirty="0"/>
-              <a:t>Event loop in a nutshell</a:t>
-            </a:r>
-          </a:p>
-        </p:txBody>
-      </p:sp>
-      <p:sp>
-        <p:nvSpPr>
-          <p:cNvPr id="3" name="Content Placeholder 2"/>
-          <p:cNvSpPr>
-            <a:spLocks noGrp="1"/>
-          </p:cNvSpPr>
-          <p:nvPr>
-            <p:ph idx="1"/>
-          </p:nvPr>
-        </p:nvSpPr>
-        <p:spPr/>
-        <p:txBody>
-          <a:bodyPr/>
-          <a:lstStyle/>
-          <a:p>
-            <a:r>
-              <a:rPr lang="en-US" dirty="0"/>
-              <a:t>What enables </a:t>
-            </a:r>
-            <a:r>
-              <a:rPr lang="en-US" dirty="0" smtClean="0"/>
-              <a:t>Node.js </a:t>
-            </a:r>
-            <a:r>
-              <a:rPr lang="en-US" dirty="0"/>
-              <a:t>to perform non blocking </a:t>
-            </a:r>
-            <a:r>
-              <a:rPr lang="en-US" dirty="0" smtClean="0"/>
-              <a:t>I/O</a:t>
-            </a:r>
-            <a:endParaRPr lang="en-US" dirty="0"/>
-          </a:p>
-          <a:p>
-            <a:r>
-              <a:rPr lang="en-US" dirty="0"/>
-              <a:t>Offloading </a:t>
-            </a:r>
-            <a:r>
-              <a:rPr lang="en-US" dirty="0" smtClean="0"/>
-              <a:t>I/O </a:t>
-            </a:r>
-            <a:r>
-              <a:rPr lang="en-US" dirty="0"/>
-              <a:t>operations to system kernel whenever possible</a:t>
-            </a:r>
-          </a:p>
-          <a:p>
-            <a:r>
-              <a:rPr lang="en-US" dirty="0"/>
-              <a:t>Kernel informs </a:t>
-            </a:r>
-            <a:r>
-              <a:rPr lang="en-US" dirty="0" smtClean="0"/>
-              <a:t>Node.js </a:t>
-            </a:r>
-            <a:r>
-              <a:rPr lang="en-US" dirty="0"/>
-              <a:t>that operation completed, callback queued in appropriate queue</a:t>
-            </a:r>
-          </a:p>
-        </p:txBody>
-      </p:sp>
+              <a:t>Event Loop in a nutshell</a:t>
+            </a:r>
+          </a:p>
+        </p:txBody>
+      </p:sp>
+      <p:pic>
+        <p:nvPicPr>
+          <p:cNvPr id="3" name="Picture 2"/>
+          <p:cNvPicPr>
+            <a:picLocks noChangeAspect="1"/>
+          </p:cNvPicPr>
+          <p:nvPr/>
+        </p:nvPicPr>
+        <p:blipFill rotWithShape="1">
+          <a:blip r:embed="rId2">
+            <a:extLst>
+              <a:ext uri="{28A0092B-C50C-407E-A947-70E740481C1C}">
+                <a14:useLocalDpi xmlns:a14="http://schemas.microsoft.com/office/drawing/2010/main" val="0"/>
+              </a:ext>
+            </a:extLst>
+          </a:blip>
+          <a:srcRect l="10577" t="4905" r="13462" b="6793"/>
+          <a:stretch/>
+        </p:blipFill>
+        <p:spPr>
+          <a:xfrm>
+            <a:off x="304800" y="1600200"/>
+            <a:ext cx="6019800" cy="4114800"/>
+          </a:xfrm>
+          <a:prstGeom prst="rect">
+            <a:avLst/>
+          </a:prstGeom>
+        </p:spPr>
+      </p:pic>
     </p:spTree>
     <p:extLst>
       <p:ext uri="{BB962C8B-B14F-4D97-AF65-F5344CB8AC3E}">
-        <p14:creationId xmlns:p14="http://schemas.microsoft.com/office/powerpoint/2010/main" val="363921970"/>
+        <p14:creationId xmlns:p14="http://schemas.microsoft.com/office/powerpoint/2010/main" val="2792461982"/>
       </p:ext>
     </p:extLst>
   </p:cSld>
@@ -6816,34 +6786,98 @@
             <p:ph type="title"/>
           </p:nvPr>
         </p:nvSpPr>
-        <p:spPr>
-          <a:xfrm>
-            <a:off x="609599" y="1955800"/>
-            <a:ext cx="6347713" cy="1320800"/>
-          </a:xfrm>
-        </p:spPr>
+        <p:spPr/>
         <p:txBody>
           <a:bodyPr/>
           <a:lstStyle/>
           <a:p>
             <a:r>
+              <a:rPr lang="en-US" dirty="0"/>
+              <a:t>Event loop in a nutshell</a:t>
+            </a:r>
+          </a:p>
+        </p:txBody>
+      </p:sp>
+      <p:sp>
+        <p:nvSpPr>
+          <p:cNvPr id="3" name="Content Placeholder 2"/>
+          <p:cNvSpPr>
+            <a:spLocks noGrp="1"/>
+          </p:cNvSpPr>
+          <p:nvPr>
+            <p:ph idx="1"/>
+          </p:nvPr>
+        </p:nvSpPr>
+        <p:spPr/>
+        <p:txBody>
+          <a:bodyPr/>
+          <a:lstStyle/>
+          <a:p>
+            <a:r>
+              <a:rPr lang="en-US" dirty="0"/>
+              <a:t>What enables </a:t>
+            </a:r>
+            <a:r>
               <a:rPr lang="en-US" dirty="0" smtClean="0"/>
-              <a:t>Event loop architecture and different components</a:t>
+              <a:t>Node.js </a:t>
+            </a:r>
+            <a:r>
+              <a:rPr lang="en-US" dirty="0"/>
+              <a:t>to perform non blocking </a:t>
+            </a:r>
+            <a:r>
+              <a:rPr lang="en-US" dirty="0" smtClean="0"/>
+              <a:t>I/O</a:t>
             </a:r>
             <a:endParaRPr lang="en-US" dirty="0"/>
+          </a:p>
+          <a:p>
+            <a:r>
+              <a:rPr lang="en-US" dirty="0"/>
+              <a:t>Offloading </a:t>
+            </a:r>
+            <a:r>
+              <a:rPr lang="en-US" dirty="0" smtClean="0"/>
+              <a:t>I/O </a:t>
+            </a:r>
+            <a:r>
+              <a:rPr lang="en-US" dirty="0"/>
+              <a:t>operations to system kernel whenever possible</a:t>
+            </a:r>
+          </a:p>
+          <a:p>
+            <a:r>
+              <a:rPr lang="en-US" dirty="0"/>
+              <a:t>Kernel informs </a:t>
+            </a:r>
+            <a:r>
+              <a:rPr lang="en-US" dirty="0" smtClean="0"/>
+              <a:t>Node.js </a:t>
+            </a:r>
+            <a:r>
+              <a:rPr lang="en-US" dirty="0"/>
+              <a:t>that operation completed, callback queued in appropriate queue</a:t>
+            </a:r>
           </a:p>
         </p:txBody>
       </p:sp>
     </p:spTree>
     <p:extLst>
       <p:ext uri="{BB962C8B-B14F-4D97-AF65-F5344CB8AC3E}">
-        <p14:creationId xmlns:p14="http://schemas.microsoft.com/office/powerpoint/2010/main" val="1851059596"/>
+        <p14:creationId xmlns:p14="http://schemas.microsoft.com/office/powerpoint/2010/main" val="363921970"/>
       </p:ext>
     </p:extLst>
   </p:cSld>
   <p:clrMapOvr>
     <a:masterClrMapping/>
   </p:clrMapOvr>
+  <p:timing>
+    <p:tnLst>
+      <p:par>
+        <p:cTn id="1" dur="indefinite" restart="never" nodeType="tmRoot"/>
+      </p:par>
+    </p:tnLst>
+  </p:timing>
 </p:sld>
 </file>
 
@@ -6874,6 +6908,64 @@
             <p:ph type="title"/>
           </p:nvPr>
         </p:nvSpPr>
+        <p:spPr>
+          <a:xfrm>
+            <a:off x="609599" y="1955800"/>
+            <a:ext cx="6347713" cy="1320800"/>
+          </a:xfrm>
+        </p:spPr>
+        <p:txBody>
+          <a:bodyPr/>
+          <a:lstStyle/>
+          <a:p>
+            <a:r>
+              <a:rPr lang="en-US" dirty="0" smtClean="0"/>
+              <a:t>Event loop architecture and different components</a:t>
+            </a:r>
+            <a:endParaRPr lang="en-US" dirty="0"/>
+          </a:p>
+        </p:txBody>
+      </p:sp>
+    </p:spTree>
+    <p:extLst>
+      <p:ext uri="{BB962C8B-B14F-4D97-AF65-F5344CB8AC3E}">
+        <p14:creationId xmlns:p14="http://schemas.microsoft.com/office/powerpoint/2010/main" val="1851059596"/>
+      </p:ext>
+    </p:extLst>
+  </p:cSld>
+  <p:clrMapOvr>
+    <a:masterClrMapping/>
+  </p:clrMapOvr>
+</p:sld>
+</file>
+
+<file path=ppt/slides/slide13.xml><?xml version="1.0" encoding="utf-8"?>
+<p:sld xmlns:a="http://schemas.openxmlformats.org/drawingml/2006/main" xmlns:r="http://schemas.openxmlformats.org/officeDocument/2006/relationships" xmlns:p="http://schemas.openxmlformats.org/presentationml/2006/main">
+  <p:cSld>
+    <p:spTree>
+      <p:nvGrpSpPr>
+        <p:cNvPr id="1" name=""/>
+        <p:cNvGrpSpPr/>
+        <p:nvPr/>
+      </p:nvGrpSpPr>
+      <p:grpSpPr>
+        <a:xfrm>
+          <a:off x="0" y="0"/>
+          <a:ext cx="0" cy="0"/>
+          <a:chOff x="0" y="0"/>
+          <a:chExt cx="0" cy="0"/>
+        </a:xfrm>
+      </p:grpSpPr>
+      <p:sp>
+        <p:nvSpPr>
+          <p:cNvPr id="2" name="Title 1"/>
+          <p:cNvSpPr>
+            <a:spLocks noGrp="1"/>
+          </p:cNvSpPr>
+          <p:nvPr>
+            <p:ph type="title"/>
+          </p:nvPr>
+        </p:nvSpPr>
         <p:spPr/>
         <p:txBody>
           <a:bodyPr/>
@@ -6881,7 +6973,15 @@
           <a:p>
             <a:r>
               <a:rPr lang="en-US" dirty="0" smtClean="0"/>
-              <a:t>The Architecture</a:t>
+              <a:t>Node.js Architecture – High </a:t>
+            </a:r>
+            <a:r>
+              <a:rPr lang="en-US" dirty="0" smtClean="0"/>
+              <a:t>Le</a:t>
+            </a:r>
+            <a:r>
+              <a:rPr lang="en-US" dirty="0" smtClean="0"/>
+              <a:t>vel</a:t>
             </a:r>
             <a:endParaRPr lang="en-US" dirty="0"/>
           </a:p>
@@ -6929,120 +7029,6 @@
 </p:sld>
 </file>
 
-<file path=ppt/slides/slide13.xml><?xml version="1.0" encoding="utf-8"?>
-<p:sld xmlns:a="http://schemas.openxmlformats.org/drawingml/2006/main" xmlns:r="http://schemas.openxmlformats.org/officeDocument/2006/relationships" xmlns:p="http://schemas.openxmlformats.org/presentationml/2006/main">
-  <p:cSld>
-    <p:spTree>
-      <p:nvGrpSpPr>
-        <p:cNvPr id="1" name=""/>
-        <p:cNvGrpSpPr/>
-        <p:nvPr/>
-      </p:nvGrpSpPr>
-      <p:grpSpPr>
-        <a:xfrm>
-          <a:off x="0" y="0"/>
-          <a:ext cx="0" cy="0"/>
-          <a:chOff x="0" y="0"/>
-          <a:chExt cx="0" cy="0"/>
-        </a:xfrm>
-      </p:grpSpPr>
-      <p:sp>
-        <p:nvSpPr>
-          <p:cNvPr id="2" name="Title 1"/>
-          <p:cNvSpPr>
-            <a:spLocks noGrp="1"/>
-          </p:cNvSpPr>
-          <p:nvPr>
-            <p:ph type="title"/>
-          </p:nvPr>
-        </p:nvSpPr>
-        <p:spPr/>
-        <p:txBody>
-          <a:bodyPr/>
-          <a:lstStyle/>
-          <a:p>
-            <a:r>
-              <a:rPr lang="en-US" dirty="0"/>
-              <a:t>Event loop thread</a:t>
-            </a:r>
-          </a:p>
-        </p:txBody>
-      </p:sp>
-      <p:sp>
-        <p:nvSpPr>
-          <p:cNvPr id="3" name="Content Placeholder 2"/>
-          <p:cNvSpPr>
-            <a:spLocks noGrp="1"/>
-          </p:cNvSpPr>
-          <p:nvPr>
-            <p:ph idx="1"/>
-          </p:nvPr>
-        </p:nvSpPr>
-        <p:spPr/>
-        <p:txBody>
-          <a:bodyPr/>
-          <a:lstStyle/>
-          <a:p>
-            <a:r>
-              <a:rPr lang="en-US" dirty="0"/>
-              <a:t>Event loop runs on single thread</a:t>
-            </a:r>
-          </a:p>
-          <a:p>
-            <a:r>
-              <a:rPr lang="en-US" dirty="0"/>
-              <a:t>Each new request register a synchronous callback</a:t>
-            </a:r>
-          </a:p>
-          <a:p>
-            <a:r>
-              <a:rPr lang="en-US" dirty="0"/>
-              <a:t>Execute JavaScript callbacks</a:t>
-            </a:r>
-          </a:p>
-          <a:p>
-            <a:r>
-              <a:rPr lang="en-US" dirty="0"/>
-              <a:t>Offloads </a:t>
-            </a:r>
-            <a:r>
-              <a:rPr lang="en-US" dirty="0" smtClean="0"/>
-              <a:t>I/O </a:t>
-            </a:r>
-            <a:r>
-              <a:rPr lang="en-US" dirty="0"/>
-              <a:t>operations to worker thread pool.</a:t>
-            </a:r>
-          </a:p>
-          <a:p>
-            <a:r>
-              <a:rPr lang="en-US" dirty="0"/>
-              <a:t>Handle callbacks for asynchronous </a:t>
-            </a:r>
-            <a:r>
-              <a:rPr lang="en-US" dirty="0" smtClean="0"/>
-              <a:t>I/O </a:t>
-            </a:r>
-            <a:r>
-              <a:rPr lang="en-US" dirty="0"/>
-              <a:t>operations that finished.</a:t>
-            </a:r>
-          </a:p>
-        </p:txBody>
-      </p:sp>
-    </p:spTree>
-    <p:extLst>
-      <p:ext uri="{BB962C8B-B14F-4D97-AF65-F5344CB8AC3E}">
-        <p14:creationId xmlns:p14="http://schemas.microsoft.com/office/powerpoint/2010/main" val="2799630110"/>
-      </p:ext>
-    </p:extLst>
-  </p:cSld>
-  <p:clrMapOvr>
-    <a:masterClrMapping/>
-  </p:clrMapOvr>
-</p:sld>
-</file>
-
 <file path=ppt/slides/slide14.xml><?xml version="1.0" encoding="utf-8"?>
 <p:sld xmlns:a="http://schemas.openxmlformats.org/drawingml/2006/main" xmlns:r="http://schemas.openxmlformats.org/officeDocument/2006/relationships" xmlns:p="http://schemas.openxmlformats.org/presentationml/2006/main">
   <p:cSld>
@@ -7076,9 +7062,10 @@
           <a:lstStyle/>
           <a:p>
             <a:r>
-              <a:rPr lang="en-US" dirty="0"/>
-              <a:t>Workers thread pool</a:t>
-            </a:r>
+              <a:rPr lang="en-US" dirty="0" smtClean="0"/>
+              <a:t>Not Really Single Threaded</a:t>
+            </a:r>
+            <a:endParaRPr lang="en-US" dirty="0"/>
           </a:p>
         </p:txBody>
       </p:sp>
@@ -7098,90 +7085,42 @@
           <a:lstStyle/>
           <a:p>
             <a:r>
-              <a:rPr lang="en-US" dirty="0"/>
-              <a:t>Thread pool to perform heavy operations</a:t>
+              <a:rPr lang="en-US" dirty="0" smtClean="0"/>
+              <a:t>The Node.js system is not really single threaded after all</a:t>
+            </a:r>
+          </a:p>
+          <a:p>
+            <a:r>
+              <a:rPr lang="en-US" dirty="0" smtClean="0"/>
+              <a:t>The event loop does run on a single thread</a:t>
+            </a:r>
+          </a:p>
+          <a:p>
+            <a:r>
+              <a:rPr lang="en-US" dirty="0" smtClean="0"/>
+              <a:t>According to the diagram , we see that we have several threaded :</a:t>
             </a:r>
           </a:p>
           <a:p>
             <a:pPr lvl="1"/>
             <a:r>
-              <a:rPr lang="en-US" dirty="0"/>
-              <a:t> </a:t>
-            </a:r>
-            <a:r>
               <a:rPr lang="en-US" dirty="0" smtClean="0"/>
-              <a:t>I/O</a:t>
-            </a:r>
-            <a:endParaRPr lang="en-US" dirty="0"/>
+              <a:t>Event Loop</a:t>
+            </a:r>
           </a:p>
           <a:p>
             <a:pPr lvl="1"/>
             <a:r>
-              <a:rPr lang="en-US" dirty="0"/>
-              <a:t>CPU intensive operations</a:t>
-            </a:r>
-            <a:endParaRPr lang="he-IL" dirty="0"/>
-          </a:p>
-          <a:p>
-            <a:r>
-              <a:rPr lang="en-US" dirty="0"/>
-              <a:t>Bounded by fixed capacity</a:t>
-            </a:r>
-          </a:p>
-          <a:p>
-            <a:r>
-              <a:rPr lang="en-US" dirty="0"/>
-              <a:t>Implemented with </a:t>
-            </a:r>
-            <a:r>
-              <a:rPr lang="en-US" dirty="0" err="1"/>
-              <a:t>libuv</a:t>
-            </a:r>
-            <a:endParaRPr lang="en-US" dirty="0"/>
-          </a:p>
-          <a:p>
-            <a:r>
-              <a:rPr lang="en-US" dirty="0"/>
-              <a:t>N</a:t>
-            </a:r>
-            <a:r>
               <a:rPr lang="en-US" dirty="0" smtClean="0"/>
-              <a:t>ode </a:t>
-            </a:r>
-            <a:r>
-              <a:rPr lang="en-US" dirty="0"/>
-              <a:t>module submit a task to </a:t>
-            </a:r>
-            <a:r>
-              <a:rPr lang="en-US" dirty="0" err="1"/>
-              <a:t>libuv</a:t>
-            </a:r>
-            <a:r>
-              <a:rPr lang="en-US" dirty="0"/>
-              <a:t> API</a:t>
-            </a:r>
-            <a:r>
-              <a:rPr lang="he-IL" dirty="0"/>
-              <a:t> </a:t>
-            </a:r>
-            <a:r>
-              <a:rPr lang="en-US" dirty="0" smtClean="0"/>
-              <a:t>with C</a:t>
-            </a:r>
-            <a:r>
-              <a:rPr lang="en-US" dirty="0"/>
-              <a:t>++ add-on</a:t>
-            </a:r>
-          </a:p>
-          <a:p>
-            <a:endParaRPr lang="en-US" dirty="0"/>
+              <a:t>The workers thread pool</a:t>
+            </a:r>
           </a:p>
         </p:txBody>
       </p:sp>
     </p:spTree>
     <p:extLst>
       <p:ext uri="{BB962C8B-B14F-4D97-AF65-F5344CB8AC3E}">
-        <p14:creationId xmlns:p14="http://schemas.microsoft.com/office/powerpoint/2010/main" val="2221932910"/>
+        <p14:creationId xmlns:p14="http://schemas.microsoft.com/office/powerpoint/2010/main" val="2896097907"/>
       </p:ext>
     </p:extLst>
   </p:cSld>
@@ -7218,21 +7157,14 @@
             <p:ph type="title"/>
           </p:nvPr>
         </p:nvSpPr>
-        <p:spPr>
-          <a:xfrm>
-            <a:off x="381000" y="0"/>
-            <a:ext cx="8229600" cy="1143000"/>
-          </a:xfrm>
-        </p:spPr>
-        <p:txBody>
-          <a:bodyPr>
-            <a:normAutofit/>
-          </a:bodyPr>
+        <p:spPr/>
+        <p:txBody>
+          <a:bodyPr/>
           <a:lstStyle/>
           <a:p>
             <a:r>
               <a:rPr lang="en-US" dirty="0"/>
-              <a:t>Modules who use worker pool</a:t>
+              <a:t>Event loop thread</a:t>
             </a:r>
           </a:p>
         </p:txBody>
@@ -7247,151 +7179,64 @@
             <p:ph idx="1"/>
           </p:nvPr>
         </p:nvSpPr>
-        <p:spPr>
-          <a:xfrm>
-            <a:off x="304800" y="990600"/>
-            <a:ext cx="9296400" cy="5715000"/>
-          </a:xfrm>
-        </p:spPr>
-        <p:txBody>
-          <a:bodyPr>
-            <a:normAutofit/>
-          </a:bodyPr>
+        <p:spPr/>
+        <p:txBody>
+          <a:bodyPr/>
           <a:lstStyle/>
           <a:p>
             <a:r>
               <a:rPr lang="en-US" dirty="0"/>
-              <a:t>I/O-intensive</a:t>
-            </a:r>
-          </a:p>
-          <a:p>
-            <a:pPr lvl="1"/>
-            <a:r>
-              <a:rPr lang="en-US" dirty="0">
-                <a:hlinkClick r:id="rId2"/>
-              </a:rPr>
-              <a:t>DNS</a:t>
-            </a:r>
+              <a:t>Event loop runs on single thread</a:t>
+            </a:r>
+          </a:p>
+          <a:p>
             <a:r>
               <a:rPr lang="en-US" dirty="0"/>
-              <a:t>: </a:t>
-            </a:r>
-          </a:p>
-          <a:p>
-            <a:pPr lvl="2"/>
-            <a:r>
-              <a:rPr lang="en-US" dirty="0" err="1"/>
-              <a:t>dns.lookup</a:t>
-            </a:r>
+              <a:t>Each new request register a synchronous </a:t>
+            </a:r>
+            <a:r>
+              <a:rPr lang="en-US" dirty="0" smtClean="0"/>
+              <a:t>callback which executes almost immediately</a:t>
+            </a:r>
+            <a:endParaRPr lang="en-US" dirty="0"/>
+          </a:p>
+          <a:p>
             <a:r>
               <a:rPr lang="en-US" dirty="0"/>
-              <a:t>(), </a:t>
-            </a:r>
-            <a:r>
-              <a:rPr lang="en-US" dirty="0" err="1"/>
-              <a:t>dns.lookupService</a:t>
+              <a:t>Execute JavaScript callbacks</a:t>
+            </a:r>
+          </a:p>
+          <a:p>
+            <a:r>
+              <a:rPr lang="en-US" dirty="0"/>
+              <a:t>Offloads </a:t>
             </a:r>
             <a:r>
               <a:rPr lang="en-US" dirty="0" smtClean="0"/>
-              <a:t>()</a:t>
-            </a:r>
-            <a:endParaRPr lang="en-US" dirty="0"/>
-          </a:p>
-          <a:p>
-            <a:pPr lvl="1"/>
-            <a:r>
-              <a:rPr lang="en-US" dirty="0">
-                <a:hlinkClick r:id="rId3"/>
-              </a:rPr>
-              <a:t>File System</a:t>
+              <a:t>I/O </a:t>
             </a:r>
             <a:r>
               <a:rPr lang="en-US" dirty="0"/>
-              <a:t>: All file system APIs except </a:t>
-            </a:r>
-            <a:endParaRPr lang="he-IL" dirty="0"/>
-          </a:p>
-          <a:p>
-            <a:pPr lvl="2"/>
-            <a:r>
-              <a:rPr lang="en-US" dirty="0" err="1"/>
-              <a:t>fs.FSWatcher</a:t>
-            </a:r>
+              <a:t>operations to worker thread pool.</a:t>
+            </a:r>
+          </a:p>
+          <a:p>
             <a:r>
               <a:rPr lang="en-US" dirty="0"/>
-              <a:t>() </a:t>
-            </a:r>
-            <a:endParaRPr lang="he-IL" dirty="0"/>
-          </a:p>
-          <a:p>
-            <a:pPr lvl="2"/>
+              <a:t>Handle callbacks for asynchronous </a:t>
+            </a:r>
+            <a:r>
+              <a:rPr lang="en-US" dirty="0" smtClean="0"/>
+              <a:t>I/O </a:t>
+            </a:r>
             <a:r>
               <a:rPr lang="en-US" dirty="0"/>
-              <a:t>explicitly synchronous operations.</a:t>
-            </a:r>
-          </a:p>
-          <a:p>
-            <a:r>
-              <a:rPr lang="en-US" dirty="0"/>
-              <a:t>CPU-intensive</a:t>
-            </a:r>
-          </a:p>
-          <a:p>
-            <a:pPr lvl="1"/>
-            <a:r>
-              <a:rPr lang="en-US" dirty="0">
-                <a:hlinkClick r:id="rId4"/>
-              </a:rPr>
-              <a:t>Crypto</a:t>
-            </a:r>
-            <a:r>
-              <a:rPr lang="en-US" dirty="0"/>
-              <a:t>: </a:t>
-            </a:r>
-          </a:p>
-          <a:p>
-            <a:pPr lvl="2"/>
-            <a:r>
-              <a:rPr lang="en-US" dirty="0"/>
-              <a:t>crypto.pbkdf2</a:t>
+              <a:t>operations that </a:t>
             </a:r>
             <a:r>
               <a:rPr lang="en-US" dirty="0" smtClean="0"/>
-              <a:t>()</a:t>
-            </a:r>
-            <a:endParaRPr lang="en-US" dirty="0"/>
-          </a:p>
-          <a:p>
-            <a:pPr lvl="2"/>
-            <a:r>
-              <a:rPr lang="en-US" dirty="0" err="1"/>
-              <a:t>crypto.randomBytes</a:t>
-            </a:r>
-            <a:r>
-              <a:rPr lang="en-US" dirty="0" smtClean="0"/>
-              <a:t>()</a:t>
-            </a:r>
-            <a:r>
-              <a:rPr lang="en-US" dirty="0"/>
-              <a:t> </a:t>
-            </a:r>
-          </a:p>
-          <a:p>
-            <a:pPr lvl="2"/>
-            <a:r>
-              <a:rPr lang="en-US" dirty="0" err="1"/>
-              <a:t>crypto.randomFill</a:t>
-            </a:r>
-            <a:r>
-              <a:rPr lang="en-US" dirty="0" smtClean="0"/>
-              <a:t>()</a:t>
-            </a:r>
-            <a:endParaRPr lang="en-US" dirty="0"/>
-          </a:p>
-          <a:p>
-            <a:pPr marL="0" indent="0">
-              <a:buNone/>
-            </a:pPr>
+              <a:t>finished from multiple requests.</a:t>
+            </a:r>
             <a:endParaRPr lang="en-US" dirty="0"/>
           </a:p>
         </p:txBody>
@@ -7399,7 +7244,7 @@
     </p:spTree>
     <p:extLst>
       <p:ext uri="{BB962C8B-B14F-4D97-AF65-F5344CB8AC3E}">
-        <p14:creationId xmlns:p14="http://schemas.microsoft.com/office/powerpoint/2010/main" val="3556669581"/>
+        <p14:creationId xmlns:p14="http://schemas.microsoft.com/office/powerpoint/2010/main" val="2799630110"/>
       </p:ext>
     </p:extLst>
   </p:cSld>
@@ -7436,29 +7281,114 @@
             <p:ph type="title"/>
           </p:nvPr>
         </p:nvSpPr>
-        <p:spPr>
-          <a:xfrm>
-            <a:off x="304800" y="2286000"/>
-            <a:ext cx="8229600" cy="1143000"/>
-          </a:xfrm>
-        </p:spPr>
-        <p:txBody>
-          <a:bodyPr>
-            <a:normAutofit fontScale="90000"/>
-          </a:bodyPr>
-          <a:lstStyle/>
-          <a:p>
+        <p:spPr/>
+        <p:txBody>
+          <a:bodyPr/>
+          <a:lstStyle/>
+          <a:p>
+            <a:r>
+              <a:rPr lang="en-US" dirty="0"/>
+              <a:t>Workers thread pool</a:t>
+            </a:r>
+          </a:p>
+        </p:txBody>
+      </p:sp>
+      <p:sp>
+        <p:nvSpPr>
+          <p:cNvPr id="3" name="Content Placeholder 2"/>
+          <p:cNvSpPr>
+            <a:spLocks noGrp="1"/>
+          </p:cNvSpPr>
+          <p:nvPr>
+            <p:ph idx="1"/>
+          </p:nvPr>
+        </p:nvSpPr>
+        <p:spPr/>
+        <p:txBody>
+          <a:bodyPr/>
+          <a:lstStyle/>
+          <a:p>
+            <a:r>
+              <a:rPr lang="en-US" dirty="0"/>
+              <a:t>Thread pool to perform heavy operations</a:t>
+            </a:r>
+          </a:p>
+          <a:p>
+            <a:pPr lvl="1"/>
+            <a:r>
+              <a:rPr lang="en-US" dirty="0"/>
+              <a:t> </a:t>
+            </a:r>
             <a:r>
               <a:rPr lang="en-US" dirty="0" smtClean="0"/>
-              <a:t>What happening on the </a:t>
-            </a:r>
-            <a:br>
+              <a:t>I/O</a:t>
+            </a:r>
+            <a:endParaRPr lang="en-US" dirty="0"/>
+          </a:p>
+          <a:p>
+            <a:pPr lvl="1"/>
+            <a:r>
+              <a:rPr lang="en-US" dirty="0"/>
+              <a:t>CPU intensive operations</a:t>
+            </a:r>
+            <a:endParaRPr lang="he-IL" dirty="0"/>
+          </a:p>
+          <a:p>
+            <a:r>
+              <a:rPr lang="en-US" dirty="0"/>
+              <a:t>Bounded by fixed capacity</a:t>
+            </a:r>
+          </a:p>
+          <a:p>
+            <a:r>
+              <a:rPr lang="en-US" dirty="0"/>
+              <a:t>Implemented </a:t>
+            </a:r>
+            <a:r>
               <a:rPr lang="en-US" dirty="0" smtClean="0"/>
-            </a:br>
+              <a:t>with </a:t>
+            </a:r>
+            <a:r>
+              <a:rPr lang="en-US" dirty="0" err="1" smtClean="0"/>
+              <a:t>libUV</a:t>
+            </a:r>
+            <a:endParaRPr lang="en-US" dirty="0"/>
+          </a:p>
+          <a:p>
             <a:r>
               <a:rPr lang="en-US" dirty="0" smtClean="0"/>
-              <a:t>operating system level?</a:t>
-            </a:r>
+              <a:t>A node module can </a:t>
+            </a:r>
+            <a:r>
+              <a:rPr lang="en-US" dirty="0"/>
+              <a:t>submit a task to </a:t>
+            </a:r>
+            <a:r>
+              <a:rPr lang="en-US" dirty="0" err="1"/>
+              <a:t>libUV</a:t>
+            </a:r>
+            <a:r>
+              <a:rPr lang="en-US" dirty="0"/>
+              <a:t> </a:t>
+            </a:r>
+            <a:r>
+              <a:rPr lang="en-US" dirty="0" smtClean="0"/>
+              <a:t>API</a:t>
+            </a:r>
+            <a:r>
+              <a:rPr lang="he-IL" dirty="0" smtClean="0"/>
+              <a:t> </a:t>
+            </a:r>
+            <a:r>
+              <a:rPr lang="en-US" dirty="0" smtClean="0"/>
+              <a:t>with C</a:t>
+            </a:r>
+            <a:r>
+              <a:rPr lang="en-US" dirty="0"/>
+              <a:t>++ add-on</a:t>
+            </a:r>
+          </a:p>
+          <a:p>
             <a:endParaRPr lang="en-US" dirty="0"/>
           </a:p>
         </p:txBody>
@@ -7466,7 +7396,7 @@
     </p:spTree>
     <p:extLst>
       <p:ext uri="{BB962C8B-B14F-4D97-AF65-F5344CB8AC3E}">
-        <p14:creationId xmlns:p14="http://schemas.microsoft.com/office/powerpoint/2010/main" val="165562187"/>
+        <p14:creationId xmlns:p14="http://schemas.microsoft.com/office/powerpoint/2010/main" val="2221932910"/>
       </p:ext>
     </p:extLst>
   </p:cSld>
@@ -7503,6 +7433,577 @@
             <p:ph type="title"/>
           </p:nvPr>
         </p:nvSpPr>
+        <p:spPr>
+          <a:xfrm>
+            <a:off x="381000" y="0"/>
+            <a:ext cx="8229600" cy="1143000"/>
+          </a:xfrm>
+        </p:spPr>
+        <p:txBody>
+          <a:bodyPr>
+            <a:normAutofit/>
+          </a:bodyPr>
+          <a:lstStyle/>
+          <a:p>
+            <a:r>
+              <a:rPr lang="en-US" dirty="0"/>
+              <a:t>Modules who </a:t>
+            </a:r>
+            <a:r>
+              <a:rPr lang="en-US" dirty="0" smtClean="0"/>
+              <a:t>use </a:t>
+            </a:r>
+            <a:r>
+              <a:rPr lang="en-US" dirty="0"/>
+              <a:t>worker pool</a:t>
+            </a:r>
+          </a:p>
+        </p:txBody>
+      </p:sp>
+      <p:sp>
+        <p:nvSpPr>
+          <p:cNvPr id="3" name="Content Placeholder 2"/>
+          <p:cNvSpPr>
+            <a:spLocks noGrp="1"/>
+          </p:cNvSpPr>
+          <p:nvPr>
+            <p:ph idx="1"/>
+          </p:nvPr>
+        </p:nvSpPr>
+        <p:spPr>
+          <a:xfrm>
+            <a:off x="304800" y="990600"/>
+            <a:ext cx="9296400" cy="5715000"/>
+          </a:xfrm>
+        </p:spPr>
+        <p:txBody>
+          <a:bodyPr>
+            <a:normAutofit/>
+          </a:bodyPr>
+          <a:lstStyle/>
+          <a:p>
+            <a:r>
+              <a:rPr lang="en-US" dirty="0"/>
+              <a:t>I/O-intensive</a:t>
+            </a:r>
+          </a:p>
+          <a:p>
+            <a:pPr lvl="1"/>
+            <a:r>
+              <a:rPr lang="en-US" dirty="0">
+                <a:hlinkClick r:id="rId2"/>
+              </a:rPr>
+              <a:t>DNS</a:t>
+            </a:r>
+            <a:r>
+              <a:rPr lang="en-US" dirty="0"/>
+              <a:t>: </a:t>
+            </a:r>
+          </a:p>
+          <a:p>
+            <a:pPr lvl="2"/>
+            <a:r>
+              <a:rPr lang="en-US" dirty="0" err="1"/>
+              <a:t>dns.lookup</a:t>
+            </a:r>
+            <a:r>
+              <a:rPr lang="en-US" dirty="0"/>
+              <a:t>(), </a:t>
+            </a:r>
+            <a:r>
+              <a:rPr lang="en-US" dirty="0" err="1"/>
+              <a:t>dns.lookupService</a:t>
+            </a:r>
+            <a:r>
+              <a:rPr lang="en-US" dirty="0" smtClean="0"/>
+              <a:t>()</a:t>
+            </a:r>
+            <a:endParaRPr lang="en-US" dirty="0"/>
+          </a:p>
+          <a:p>
+            <a:pPr lvl="1"/>
+            <a:r>
+              <a:rPr lang="en-US" dirty="0">
+                <a:hlinkClick r:id="rId3"/>
+              </a:rPr>
+              <a:t>File System</a:t>
+            </a:r>
+            <a:r>
+              <a:rPr lang="en-US" dirty="0"/>
+              <a:t>: All file system APIs except </a:t>
+            </a:r>
+            <a:endParaRPr lang="he-IL" dirty="0"/>
+          </a:p>
+          <a:p>
+            <a:pPr lvl="2"/>
+            <a:r>
+              <a:rPr lang="en-US" dirty="0" err="1"/>
+              <a:t>fs.FSWatcher</a:t>
+            </a:r>
+            <a:r>
+              <a:rPr lang="en-US" dirty="0"/>
+              <a:t>() </a:t>
+            </a:r>
+            <a:endParaRPr lang="he-IL" dirty="0"/>
+          </a:p>
+          <a:p>
+            <a:pPr lvl="2"/>
+            <a:r>
+              <a:rPr lang="en-US" dirty="0"/>
+              <a:t>explicitly synchronous operations.</a:t>
+            </a:r>
+          </a:p>
+          <a:p>
+            <a:r>
+              <a:rPr lang="en-US" dirty="0"/>
+              <a:t>CPU-intensive</a:t>
+            </a:r>
+          </a:p>
+          <a:p>
+            <a:pPr lvl="1"/>
+            <a:r>
+              <a:rPr lang="en-US" dirty="0">
+                <a:hlinkClick r:id="rId4"/>
+              </a:rPr>
+              <a:t>Crypto</a:t>
+            </a:r>
+            <a:r>
+              <a:rPr lang="en-US" dirty="0"/>
+              <a:t>: </a:t>
+            </a:r>
+          </a:p>
+          <a:p>
+            <a:pPr lvl="2"/>
+            <a:r>
+              <a:rPr lang="en-US" dirty="0"/>
+              <a:t>crypto.pbkdf2</a:t>
+            </a:r>
+            <a:r>
+              <a:rPr lang="en-US" dirty="0" smtClean="0"/>
+              <a:t>()</a:t>
+            </a:r>
+            <a:endParaRPr lang="en-US" dirty="0"/>
+          </a:p>
+          <a:p>
+            <a:pPr lvl="2"/>
+            <a:r>
+              <a:rPr lang="en-US" dirty="0" err="1"/>
+              <a:t>crypto.randomBytes</a:t>
+            </a:r>
+            <a:r>
+              <a:rPr lang="en-US" dirty="0" smtClean="0"/>
+              <a:t>()</a:t>
+            </a:r>
+            <a:r>
+              <a:rPr lang="en-US" dirty="0"/>
+              <a:t> </a:t>
+            </a:r>
+          </a:p>
+          <a:p>
+            <a:pPr lvl="2"/>
+            <a:r>
+              <a:rPr lang="en-US" dirty="0" err="1"/>
+              <a:t>crypto.randomFill</a:t>
+            </a:r>
+            <a:r>
+              <a:rPr lang="en-US" dirty="0" smtClean="0"/>
+              <a:t>()</a:t>
+            </a:r>
+            <a:endParaRPr lang="en-US" dirty="0"/>
+          </a:p>
+          <a:p>
+            <a:pPr marL="0" indent="0">
+              <a:buNone/>
+            </a:pPr>
+            <a:endParaRPr lang="en-US" dirty="0"/>
+          </a:p>
+        </p:txBody>
+      </p:sp>
+    </p:spTree>
+    <p:extLst>
+      <p:ext uri="{BB962C8B-B14F-4D97-AF65-F5344CB8AC3E}">
+        <p14:creationId xmlns:p14="http://schemas.microsoft.com/office/powerpoint/2010/main" val="3556669581"/>
+      </p:ext>
+    </p:extLst>
+  </p:cSld>
+  <p:clrMapOvr>
+    <a:masterClrMapping/>
+  </p:clrMapOvr>
+</p:sld>
+</file>
+
+<file path=ppt/slides/slide18.xml><?xml version="1.0" encoding="utf-8"?>
+<p:sld xmlns:a="http://schemas.openxmlformats.org/drawingml/2006/main" xmlns:r="http://schemas.openxmlformats.org/officeDocument/2006/relationships" xmlns:p="http://schemas.openxmlformats.org/presentationml/2006/main">
+  <p:cSld>
+    <p:spTree>
+      <p:nvGrpSpPr>
+        <p:cNvPr id="1" name=""/>
+        <p:cNvGrpSpPr/>
+        <p:nvPr/>
+      </p:nvGrpSpPr>
+      <p:grpSpPr>
+        <a:xfrm>
+          <a:off x="0" y="0"/>
+          <a:ext cx="0" cy="0"/>
+          <a:chOff x="0" y="0"/>
+          <a:chExt cx="0" cy="0"/>
+        </a:xfrm>
+      </p:grpSpPr>
+      <p:sp>
+        <p:nvSpPr>
+          <p:cNvPr id="2" name="Title 1"/>
+          <p:cNvSpPr>
+            <a:spLocks noGrp="1"/>
+          </p:cNvSpPr>
+          <p:nvPr>
+            <p:ph type="title"/>
+          </p:nvPr>
+        </p:nvSpPr>
+        <p:spPr/>
+        <p:txBody>
+          <a:bodyPr>
+            <a:normAutofit fontScale="90000"/>
+          </a:bodyPr>
+          <a:lstStyle/>
+          <a:p>
+            <a:r>
+              <a:rPr lang="en-US" dirty="0" smtClean="0"/>
+              <a:t>How </a:t>
+            </a:r>
+            <a:r>
+              <a:rPr lang="en-US" dirty="0"/>
+              <a:t>M</a:t>
+            </a:r>
+            <a:r>
+              <a:rPr lang="en-US" dirty="0" smtClean="0"/>
+              <a:t>ost Node Modules Submit A Request To The Worker Pool</a:t>
+            </a:r>
+            <a:endParaRPr lang="en-US" dirty="0"/>
+          </a:p>
+        </p:txBody>
+      </p:sp>
+      <p:sp>
+        <p:nvSpPr>
+          <p:cNvPr id="3" name="Content Placeholder 2"/>
+          <p:cNvSpPr>
+            <a:spLocks noGrp="1"/>
+          </p:cNvSpPr>
+          <p:nvPr>
+            <p:ph idx="1"/>
+          </p:nvPr>
+        </p:nvSpPr>
+        <p:spPr/>
+        <p:txBody>
+          <a:bodyPr/>
+          <a:lstStyle/>
+          <a:p>
+            <a:r>
+              <a:rPr lang="en-US" dirty="0" smtClean="0"/>
+              <a:t>To work with the worker pool – most modules use a set of ‘basic’ modules that work with the event loop</a:t>
+            </a:r>
+          </a:p>
+          <a:p>
+            <a:pPr lvl="1"/>
+            <a:r>
+              <a:rPr lang="en-US" dirty="0" smtClean="0"/>
+              <a:t>Examples in the previous slide :</a:t>
+            </a:r>
+          </a:p>
+          <a:p>
+            <a:pPr lvl="2"/>
+            <a:r>
+              <a:rPr lang="en-US" dirty="0" smtClean="0"/>
+              <a:t>Fs</a:t>
+            </a:r>
+          </a:p>
+          <a:p>
+            <a:pPr lvl="2"/>
+            <a:r>
+              <a:rPr lang="en-US" dirty="0" err="1" smtClean="0"/>
+              <a:t>Dns</a:t>
+            </a:r>
+            <a:endParaRPr lang="en-US" dirty="0" smtClean="0"/>
+          </a:p>
+          <a:p>
+            <a:pPr lvl="2"/>
+            <a:r>
+              <a:rPr lang="en-US" dirty="0" smtClean="0"/>
+              <a:t>Crypto</a:t>
+            </a:r>
+          </a:p>
+          <a:p>
+            <a:pPr lvl="2"/>
+            <a:r>
+              <a:rPr lang="en-US" dirty="0" smtClean="0"/>
+              <a:t>And more</a:t>
+            </a:r>
+          </a:p>
+          <a:p>
+            <a:r>
+              <a:rPr lang="en-US" dirty="0" smtClean="0"/>
+              <a:t>There is a possibility to submit a task to </a:t>
+            </a:r>
+            <a:r>
+              <a:rPr lang="en-US" dirty="0" err="1" smtClean="0"/>
+              <a:t>libUV</a:t>
+            </a:r>
+            <a:r>
+              <a:rPr lang="en-US" dirty="0" smtClean="0"/>
+              <a:t> using </a:t>
+            </a:r>
+            <a:r>
+              <a:rPr lang="en-US" dirty="0" err="1" smtClean="0"/>
+              <a:t>c++</a:t>
+            </a:r>
+            <a:r>
+              <a:rPr lang="en-US" dirty="0" smtClean="0"/>
+              <a:t> add-on</a:t>
+            </a:r>
+          </a:p>
+          <a:p>
+            <a:r>
+              <a:rPr lang="en-US" dirty="0" smtClean="0"/>
+              <a:t>Few modules work in that method</a:t>
+            </a:r>
+            <a:endParaRPr lang="en-US" dirty="0"/>
+          </a:p>
+        </p:txBody>
+      </p:sp>
+    </p:spTree>
+    <p:extLst>
+      <p:ext uri="{BB962C8B-B14F-4D97-AF65-F5344CB8AC3E}">
+        <p14:creationId xmlns:p14="http://schemas.microsoft.com/office/powerpoint/2010/main" val="1945745645"/>
+      </p:ext>
+    </p:extLst>
+  </p:cSld>
+  <p:clrMapOvr>
+    <a:masterClrMapping/>
+  </p:clrMapOvr>
+</p:sld>
+</file>
+
+<file path=ppt/slides/slide19.xml><?xml version="1.0" encoding="utf-8"?>
+<p:sld xmlns:a="http://schemas.openxmlformats.org/drawingml/2006/main" xmlns:r="http://schemas.openxmlformats.org/officeDocument/2006/relationships" xmlns:p="http://schemas.openxmlformats.org/presentationml/2006/main">
+  <p:cSld>
+    <p:spTree>
+      <p:nvGrpSpPr>
+        <p:cNvPr id="1" name=""/>
+        <p:cNvGrpSpPr/>
+        <p:nvPr/>
+      </p:nvGrpSpPr>
+      <p:grpSpPr>
+        <a:xfrm>
+          <a:off x="0" y="0"/>
+          <a:ext cx="0" cy="0"/>
+          <a:chOff x="0" y="0"/>
+          <a:chExt cx="0" cy="0"/>
+        </a:xfrm>
+      </p:grpSpPr>
+      <p:sp>
+        <p:nvSpPr>
+          <p:cNvPr id="2" name="Title 1"/>
+          <p:cNvSpPr>
+            <a:spLocks noGrp="1"/>
+          </p:cNvSpPr>
+          <p:nvPr>
+            <p:ph type="title"/>
+          </p:nvPr>
+        </p:nvSpPr>
+        <p:spPr>
+          <a:xfrm>
+            <a:off x="304800" y="2286000"/>
+            <a:ext cx="8229600" cy="1143000"/>
+          </a:xfrm>
+        </p:spPr>
+        <p:txBody>
+          <a:bodyPr>
+            <a:normAutofit fontScale="90000"/>
+          </a:bodyPr>
+          <a:lstStyle/>
+          <a:p>
+            <a:r>
+              <a:rPr lang="en-US" dirty="0" smtClean="0"/>
+              <a:t>What happening on the </a:t>
+            </a:r>
+            <a:br>
+              <a:rPr lang="en-US" dirty="0" smtClean="0"/>
+            </a:br>
+            <a:r>
+              <a:rPr lang="en-US" dirty="0" smtClean="0"/>
+              <a:t>operating system level?</a:t>
+            </a:r>
+            <a:endParaRPr lang="en-US" dirty="0"/>
+          </a:p>
+        </p:txBody>
+      </p:sp>
+    </p:spTree>
+    <p:extLst>
+      <p:ext uri="{BB962C8B-B14F-4D97-AF65-F5344CB8AC3E}">
+        <p14:creationId xmlns:p14="http://schemas.microsoft.com/office/powerpoint/2010/main" val="165562187"/>
+      </p:ext>
+    </p:extLst>
+  </p:cSld>
+  <p:clrMapOvr>
+    <a:masterClrMapping/>
+  </p:clrMapOvr>
+</p:sld>
+</file>
+
+<file path=ppt/slides/slide2.xml><?xml version="1.0" encoding="utf-8"?>
+<p:sld xmlns:a="http://schemas.openxmlformats.org/drawingml/2006/main" xmlns:r="http://schemas.openxmlformats.org/officeDocument/2006/relationships" xmlns:p="http://schemas.openxmlformats.org/presentationml/2006/main">
+  <p:cSld>
+    <p:spTree>
+      <p:nvGrpSpPr>
+        <p:cNvPr id="1" name=""/>
+        <p:cNvGrpSpPr/>
+        <p:nvPr/>
+      </p:nvGrpSpPr>
+      <p:grpSpPr>
+        <a:xfrm>
+          <a:off x="0" y="0"/>
+          <a:ext cx="0" cy="0"/>
+          <a:chOff x="0" y="0"/>
+          <a:chExt cx="0" cy="0"/>
+        </a:xfrm>
+      </p:grpSpPr>
+      <p:sp>
+        <p:nvSpPr>
+          <p:cNvPr id="2" name="Title 1"/>
+          <p:cNvSpPr>
+            <a:spLocks noGrp="1"/>
+          </p:cNvSpPr>
+          <p:nvPr>
+            <p:ph type="title"/>
+          </p:nvPr>
+        </p:nvSpPr>
+        <p:spPr/>
+        <p:txBody>
+          <a:bodyPr/>
+          <a:lstStyle/>
+          <a:p>
+            <a:r>
+              <a:rPr lang="en-US" dirty="0" smtClean="0"/>
+              <a:t>Agenda</a:t>
+            </a:r>
+            <a:endParaRPr lang="en-US" dirty="0"/>
+          </a:p>
+        </p:txBody>
+      </p:sp>
+      <p:sp>
+        <p:nvSpPr>
+          <p:cNvPr id="3" name="Content Placeholder 2"/>
+          <p:cNvSpPr>
+            <a:spLocks noGrp="1"/>
+          </p:cNvSpPr>
+          <p:nvPr>
+            <p:ph idx="1"/>
+          </p:nvPr>
+        </p:nvSpPr>
+        <p:spPr/>
+        <p:txBody>
+          <a:bodyPr/>
+          <a:lstStyle/>
+          <a:p>
+            <a:r>
+              <a:rPr lang="en-US" dirty="0" smtClean="0"/>
+              <a:t>Traditional approach – Blocking I/O</a:t>
+            </a:r>
+          </a:p>
+          <a:p>
+            <a:r>
+              <a:rPr lang="en-US" dirty="0" smtClean="0"/>
+              <a:t>The opposite – Non blocking I/O</a:t>
+            </a:r>
+          </a:p>
+          <a:p>
+            <a:r>
+              <a:rPr lang="en-US" dirty="0" smtClean="0"/>
+              <a:t>The event loop in a nutshell</a:t>
+            </a:r>
+          </a:p>
+          <a:p>
+            <a:r>
+              <a:rPr lang="en-US" dirty="0"/>
+              <a:t>E</a:t>
+            </a:r>
+            <a:r>
+              <a:rPr lang="en-US" dirty="0" smtClean="0"/>
+              <a:t>vent loop architecture and different components</a:t>
+            </a:r>
+          </a:p>
+          <a:p>
+            <a:r>
+              <a:rPr lang="en-US" dirty="0" smtClean="0"/>
+              <a:t>What actually happening on the operating system ?</a:t>
+            </a:r>
+          </a:p>
+          <a:p>
+            <a:r>
+              <a:rPr lang="en-US" dirty="0" smtClean="0"/>
+              <a:t>The different phases of the event loop</a:t>
+            </a:r>
+          </a:p>
+          <a:p>
+            <a:r>
+              <a:rPr lang="en-US" dirty="0" smtClean="0"/>
+              <a:t>Why Node.js scales well</a:t>
+            </a:r>
+          </a:p>
+          <a:p>
+            <a:endParaRPr lang="en-US" dirty="0" smtClean="0"/>
+          </a:p>
+          <a:p>
+            <a:endParaRPr lang="en-US" dirty="0"/>
+          </a:p>
+        </p:txBody>
+      </p:sp>
+    </p:spTree>
+    <p:extLst>
+      <p:ext uri="{BB962C8B-B14F-4D97-AF65-F5344CB8AC3E}">
+        <p14:creationId xmlns:p14="http://schemas.microsoft.com/office/powerpoint/2010/main" val="1790054153"/>
+      </p:ext>
+    </p:extLst>
+  </p:cSld>
+  <p:clrMapOvr>
+    <a:masterClrMapping/>
+  </p:clrMapOvr>
+  <p:timing>
+    <p:tnLst>
+      <p:par>
+        <p:cTn id="1" dur="indefinite" restart="never" nodeType="tmRoot"/>
+      </p:par>
+    </p:tnLst>
+  </p:timing>
+</p:sld>
+</file>
+
+<file path=ppt/slides/slide20.xml><?xml version="1.0" encoding="utf-8"?>
+<p:sld xmlns:a="http://schemas.openxmlformats.org/drawingml/2006/main" xmlns:r="http://schemas.openxmlformats.org/officeDocument/2006/relationships" xmlns:p="http://schemas.openxmlformats.org/presentationml/2006/main">
+  <p:cSld>
+    <p:spTree>
+      <p:nvGrpSpPr>
+        <p:cNvPr id="1" name=""/>
+        <p:cNvGrpSpPr/>
+        <p:nvPr/>
+      </p:nvGrpSpPr>
+      <p:grpSpPr>
+        <a:xfrm>
+          <a:off x="0" y="0"/>
+          <a:ext cx="0" cy="0"/>
+          <a:chOff x="0" y="0"/>
+          <a:chExt cx="0" cy="0"/>
+        </a:xfrm>
+      </p:grpSpPr>
+      <p:sp>
+        <p:nvSpPr>
+          <p:cNvPr id="2" name="Title 1"/>
+          <p:cNvSpPr>
+            <a:spLocks noGrp="1"/>
+          </p:cNvSpPr>
+          <p:nvPr>
+            <p:ph type="title"/>
+          </p:nvPr>
+        </p:nvSpPr>
         <p:spPr/>
         <p:txBody>
           <a:bodyPr>
@@ -7875,7 +8376,7 @@
 </p:sld>
 </file>
 
-<file path=ppt/slides/slide18.xml><?xml version="1.0" encoding="utf-8"?>
+<file path=ppt/slides/slide21.xml><?xml version="1.0" encoding="utf-8"?>
 <p:sld xmlns:a="http://schemas.openxmlformats.org/drawingml/2006/main" xmlns:r="http://schemas.openxmlformats.org/officeDocument/2006/relationships" xmlns:p="http://schemas.openxmlformats.org/presentationml/2006/main">
   <p:cSld>
     <p:spTree>
@@ -8193,7 +8694,7 @@
 </p:sld>
 </file>
 
-<file path=ppt/slides/slide19.xml><?xml version="1.0" encoding="utf-8"?>
+<file path=ppt/slides/slide22.xml><?xml version="1.0" encoding="utf-8"?>
 <p:sld xmlns:a="http://schemas.openxmlformats.org/drawingml/2006/main" xmlns:r="http://schemas.openxmlformats.org/officeDocument/2006/relationships" xmlns:p="http://schemas.openxmlformats.org/presentationml/2006/main">
   <p:cSld>
     <p:spTree>
@@ -8498,7 +8999,7 @@
 </p:sld>
 </file>
 
-<file path=ppt/slides/slide2.xml><?xml version="1.0" encoding="utf-8"?>
+<file path=ppt/slides/slide23.xml><?xml version="1.0" encoding="utf-8"?>
 <p:sld xmlns:a="http://schemas.openxmlformats.org/drawingml/2006/main" xmlns:r="http://schemas.openxmlformats.org/officeDocument/2006/relationships" xmlns:p="http://schemas.openxmlformats.org/presentationml/2006/main">
   <p:cSld>
     <p:spTree>
@@ -8525,108 +9026,46 @@
             <p:ph type="title"/>
           </p:nvPr>
         </p:nvSpPr>
-        <p:spPr/>
-        <p:txBody>
-          <a:bodyPr/>
-          <a:lstStyle/>
-          <a:p>
-            <a:r>
-              <a:rPr lang="en-US" dirty="0" smtClean="0"/>
-              <a:t>Agenda</a:t>
-            </a:r>
-            <a:endParaRPr lang="en-US" dirty="0"/>
-          </a:p>
-        </p:txBody>
-      </p:sp>
-      <p:sp>
-        <p:nvSpPr>
-          <p:cNvPr id="3" name="Content Placeholder 2"/>
-          <p:cNvSpPr>
-            <a:spLocks noGrp="1"/>
-          </p:cNvSpPr>
-          <p:nvPr>
-            <p:ph idx="1"/>
-          </p:nvPr>
-        </p:nvSpPr>
-        <p:spPr/>
-        <p:txBody>
-          <a:bodyPr/>
-          <a:lstStyle/>
-          <a:p>
-            <a:r>
-              <a:rPr lang="en-US" dirty="0" smtClean="0"/>
-              <a:t>Traditional approach – Blocking I/O</a:t>
-            </a:r>
-          </a:p>
-          <a:p>
-            <a:r>
-              <a:rPr lang="en-US" dirty="0" smtClean="0"/>
-              <a:t>The opposite – Non blocking I/O</a:t>
-            </a:r>
-          </a:p>
-          <a:p>
-            <a:r>
-              <a:rPr lang="en-US" dirty="0" smtClean="0"/>
-              <a:t>The event loop in a nutshell</a:t>
-            </a:r>
-          </a:p>
+        <p:spPr>
+          <a:xfrm>
+            <a:off x="457200" y="2438400"/>
+            <a:ext cx="8229600" cy="1143000"/>
+          </a:xfrm>
+        </p:spPr>
+        <p:txBody>
+          <a:bodyPr>
+            <a:normAutofit fontScale="90000"/>
+          </a:bodyPr>
+          <a:lstStyle/>
           <a:p>
             <a:r>
               <a:rPr lang="en-US" dirty="0"/>
-              <a:t>E</a:t>
-            </a:r>
-            <a:r>
-              <a:rPr lang="en-US" dirty="0" smtClean="0"/>
-              <a:t>vent loop architecture and different components</a:t>
-            </a:r>
-          </a:p>
-          <a:p>
-            <a:r>
-              <a:rPr lang="en-US" dirty="0" smtClean="0"/>
-              <a:t>What actually happening on the operating system ?</a:t>
-            </a:r>
-          </a:p>
-          <a:p>
-            <a:r>
-              <a:rPr lang="en-US" dirty="0" smtClean="0"/>
-              <a:t>The different phases of the event loop</a:t>
-            </a:r>
-          </a:p>
-          <a:p>
-            <a:r>
-              <a:rPr lang="en-US" dirty="0" smtClean="0"/>
-              <a:t>Why Node.js scales well</a:t>
-            </a:r>
-          </a:p>
-          <a:p>
-            <a:endParaRPr lang="en-US" dirty="0" smtClean="0"/>
-          </a:p>
-          <a:p>
-            <a:endParaRPr lang="en-US" dirty="0"/>
+              <a:t>The order of operations in </a:t>
+            </a:r>
+            <a:br>
+              <a:rPr lang="en-US" dirty="0"/>
+            </a:br>
+            <a:r>
+              <a:rPr lang="en-US" dirty="0"/>
+              <a:t>the event loop</a:t>
+            </a:r>
           </a:p>
         </p:txBody>
       </p:sp>
     </p:spTree>
     <p:extLst>
       <p:ext uri="{BB962C8B-B14F-4D97-AF65-F5344CB8AC3E}">
-        <p14:creationId xmlns:p14="http://schemas.microsoft.com/office/powerpoint/2010/main" val="1790054153"/>
+        <p14:creationId xmlns:p14="http://schemas.microsoft.com/office/powerpoint/2010/main" val="3783755346"/>
       </p:ext>
     </p:extLst>
   </p:cSld>
   <p:clrMapOvr>
     <a:masterClrMapping/>
   </p:clrMapOvr>
-  <p:timing>
-    <p:tnLst>
-      <p:par>
-        <p:cTn id="1" dur="indefinite" restart="never" nodeType="tmRoot"/>
-      </p:par>
-    </p:tnLst>
-  </p:timing>
 </p:sld>
 </file>
 
-<file path=ppt/slides/slide20.xml><?xml version="1.0" encoding="utf-8"?>
+<file path=ppt/slides/slide24.xml><?xml version="1.0" encoding="utf-8"?>
 <p:sld xmlns:a="http://schemas.openxmlformats.org/drawingml/2006/main" xmlns:r="http://schemas.openxmlformats.org/officeDocument/2006/relationships" xmlns:p="http://schemas.openxmlformats.org/presentationml/2006/main">
   <p:cSld>
     <p:spTree>
@@ -8653,72 +9092,6 @@
             <p:ph type="title"/>
           </p:nvPr>
         </p:nvSpPr>
-        <p:spPr>
-          <a:xfrm>
-            <a:off x="457200" y="2438400"/>
-            <a:ext cx="8229600" cy="1143000"/>
-          </a:xfrm>
-        </p:spPr>
-        <p:txBody>
-          <a:bodyPr>
-            <a:normAutofit fontScale="90000"/>
-          </a:bodyPr>
-          <a:lstStyle/>
-          <a:p>
-            <a:r>
-              <a:rPr lang="en-US" dirty="0"/>
-              <a:t>The order of operations in </a:t>
-            </a:r>
-            <a:br>
-              <a:rPr lang="en-US" dirty="0"/>
-            </a:br>
-            <a:r>
-              <a:rPr lang="en-US" dirty="0"/>
-              <a:t>the event loop</a:t>
-            </a:r>
-          </a:p>
-        </p:txBody>
-      </p:sp>
-    </p:spTree>
-    <p:extLst>
-      <p:ext uri="{BB962C8B-B14F-4D97-AF65-F5344CB8AC3E}">
-        <p14:creationId xmlns:p14="http://schemas.microsoft.com/office/powerpoint/2010/main" val="3783755346"/>
-      </p:ext>
-    </p:extLst>
-  </p:cSld>
-  <p:clrMapOvr>
-    <a:masterClrMapping/>
-  </p:clrMapOvr>
-</p:sld>
-</file>
-
-<file path=ppt/slides/slide21.xml><?xml version="1.0" encoding="utf-8"?>
-<p:sld xmlns:a="http://schemas.openxmlformats.org/drawingml/2006/main" xmlns:r="http://schemas.openxmlformats.org/officeDocument/2006/relationships" xmlns:p="http://schemas.openxmlformats.org/presentationml/2006/main">
-  <p:cSld>
-    <p:spTree>
-      <p:nvGrpSpPr>
-        <p:cNvPr id="1" name=""/>
-        <p:cNvGrpSpPr/>
-        <p:nvPr/>
-      </p:nvGrpSpPr>
-      <p:grpSpPr>
-        <a:xfrm>
-          <a:off x="0" y="0"/>
-          <a:ext cx="0" cy="0"/>
-          <a:chOff x="0" y="0"/>
-          <a:chExt cx="0" cy="0"/>
-        </a:xfrm>
-      </p:grpSpPr>
-      <p:sp>
-        <p:nvSpPr>
-          <p:cNvPr id="2" name="Title 1"/>
-          <p:cNvSpPr>
-            <a:spLocks noGrp="1"/>
-          </p:cNvSpPr>
-          <p:nvPr>
-            <p:ph type="title"/>
-          </p:nvPr>
-        </p:nvSpPr>
         <p:spPr/>
         <p:txBody>
           <a:bodyPr>
@@ -8728,8 +9101,29 @@
           <a:p>
             <a:r>
               <a:rPr lang="en-US" dirty="0"/>
-              <a:t>Event loop phases overview</a:t>
-            </a:r>
+              <a:t>Event </a:t>
+            </a:r>
+            <a:r>
+              <a:rPr lang="en-US" dirty="0" smtClean="0"/>
+              <a:t>Loop </a:t>
+            </a:r>
+            <a:r>
+              <a:rPr lang="en-US" dirty="0"/>
+              <a:t>P</a:t>
+            </a:r>
+            <a:r>
+              <a:rPr lang="en-US" dirty="0" smtClean="0"/>
+              <a:t>hases </a:t>
+            </a:r>
+            <a:r>
+              <a:rPr lang="en-US" dirty="0"/>
+              <a:t>O</a:t>
+            </a:r>
+            <a:r>
+              <a:rPr lang="en-US" dirty="0" smtClean="0"/>
+              <a:t>verview</a:t>
+            </a:r>
+            <a:endParaRPr lang="en-US" dirty="0"/>
           </a:p>
         </p:txBody>
       </p:sp>
@@ -8775,7 +9169,149 @@
 </p:sld>
 </file>
 
-<file path=ppt/slides/slide22.xml><?xml version="1.0" encoding="utf-8"?>
+<file path=ppt/slides/slide25.xml><?xml version="1.0" encoding="utf-8"?>
+<p:sld xmlns:a="http://schemas.openxmlformats.org/drawingml/2006/main" xmlns:r="http://schemas.openxmlformats.org/officeDocument/2006/relationships" xmlns:p="http://schemas.openxmlformats.org/presentationml/2006/main">
+  <p:cSld>
+    <p:spTree>
+      <p:nvGrpSpPr>
+        <p:cNvPr id="1" name=""/>
+        <p:cNvGrpSpPr/>
+        <p:nvPr/>
+      </p:nvGrpSpPr>
+      <p:grpSpPr>
+        <a:xfrm>
+          <a:off x="0" y="0"/>
+          <a:ext cx="0" cy="0"/>
+          <a:chOff x="0" y="0"/>
+          <a:chExt cx="0" cy="0"/>
+        </a:xfrm>
+      </p:grpSpPr>
+      <p:sp>
+        <p:nvSpPr>
+          <p:cNvPr id="2" name="Title 1"/>
+          <p:cNvSpPr>
+            <a:spLocks noGrp="1"/>
+          </p:cNvSpPr>
+          <p:nvPr>
+            <p:ph type="title"/>
+          </p:nvPr>
+        </p:nvSpPr>
+        <p:spPr/>
+        <p:txBody>
+          <a:bodyPr/>
+          <a:lstStyle/>
+          <a:p>
+            <a:r>
+              <a:rPr lang="en-US" dirty="0" smtClean="0"/>
+              <a:t>Event Loop Phases Overview</a:t>
+            </a:r>
+            <a:endParaRPr lang="en-US" dirty="0"/>
+          </a:p>
+        </p:txBody>
+      </p:sp>
+      <p:sp>
+        <p:nvSpPr>
+          <p:cNvPr id="3" name="Content Placeholder 2"/>
+          <p:cNvSpPr>
+            <a:spLocks noGrp="1"/>
+          </p:cNvSpPr>
+          <p:nvPr>
+            <p:ph idx="1"/>
+          </p:nvPr>
+        </p:nvSpPr>
+        <p:spPr/>
+        <p:txBody>
+          <a:bodyPr/>
+          <a:lstStyle/>
+          <a:p>
+            <a:r>
+              <a:rPr lang="en-US" dirty="0" smtClean="0"/>
+              <a:t>Timers – Execution of callbacks scheduled by </a:t>
+            </a:r>
+            <a:r>
+              <a:rPr lang="en-US" dirty="0" err="1" smtClean="0"/>
+              <a:t>setInterval</a:t>
+            </a:r>
+            <a:r>
+              <a:rPr lang="en-US" dirty="0" smtClean="0"/>
+              <a:t> and </a:t>
+            </a:r>
+            <a:r>
+              <a:rPr lang="en-US" dirty="0" err="1" smtClean="0"/>
+              <a:t>setTimeout</a:t>
+            </a:r>
+            <a:endParaRPr lang="en-US" dirty="0" smtClean="0"/>
+          </a:p>
+          <a:p>
+            <a:r>
+              <a:rPr lang="en-US" dirty="0" smtClean="0"/>
+              <a:t>I/O callbacks – all callbacks except : timers, </a:t>
+            </a:r>
+            <a:r>
+              <a:rPr lang="en-US" dirty="0" err="1" smtClean="0"/>
+              <a:t>setImmediate</a:t>
+            </a:r>
+            <a:r>
+              <a:rPr lang="en-US" dirty="0" smtClean="0"/>
+              <a:t>, close </a:t>
+            </a:r>
+            <a:r>
+              <a:rPr lang="en-US" dirty="0" err="1" smtClean="0"/>
+              <a:t>callbaks</a:t>
+            </a:r>
+            <a:endParaRPr lang="en-US" dirty="0" smtClean="0"/>
+          </a:p>
+          <a:p>
+            <a:r>
+              <a:rPr lang="en-US" dirty="0" smtClean="0"/>
+              <a:t>Idle , prepare – for internal use only.</a:t>
+            </a:r>
+          </a:p>
+          <a:p>
+            <a:r>
+              <a:rPr lang="en-US" dirty="0" smtClean="0"/>
+              <a:t>Poll – Poll new I/O events, Node.js will block here on demand</a:t>
+            </a:r>
+          </a:p>
+          <a:p>
+            <a:r>
+              <a:rPr lang="en-US" dirty="0" smtClean="0"/>
+              <a:t>Check – invoke callbacks scheduled by </a:t>
+            </a:r>
+            <a:r>
+              <a:rPr lang="en-US" dirty="0" err="1" smtClean="0"/>
+              <a:t>setImmediate</a:t>
+            </a:r>
+            <a:endParaRPr lang="en-US" dirty="0" smtClean="0"/>
+          </a:p>
+          <a:p>
+            <a:r>
+              <a:rPr lang="en-US" dirty="0" smtClean="0"/>
+              <a:t>Close – callbacks scheduled by close events</a:t>
+            </a:r>
+          </a:p>
+          <a:p>
+            <a:endParaRPr lang="en-US" dirty="0" smtClean="0"/>
+          </a:p>
+          <a:p>
+            <a:endParaRPr lang="en-US" dirty="0"/>
+          </a:p>
+        </p:txBody>
+      </p:sp>
+    </p:spTree>
+    <p:extLst>
+      <p:ext uri="{BB962C8B-B14F-4D97-AF65-F5344CB8AC3E}">
+        <p14:creationId xmlns:p14="http://schemas.microsoft.com/office/powerpoint/2010/main" val="2677623795"/>
+      </p:ext>
+    </p:extLst>
+  </p:cSld>
+  <p:clrMapOvr>
+    <a:masterClrMapping/>
+  </p:clrMapOvr>
+</p:sld>
+</file>
+
+<file path=ppt/slides/slide26.xml><?xml version="1.0" encoding="utf-8"?>
 <p:sld xmlns:a="http://schemas.openxmlformats.org/drawingml/2006/main" xmlns:r="http://schemas.openxmlformats.org/officeDocument/2006/relationships" xmlns:p="http://schemas.openxmlformats.org/presentationml/2006/main">
   <p:cSld>
     <p:spTree>
@@ -8856,7 +9392,7 @@
 </p:sld>
 </file>
 
-<file path=ppt/slides/slide23.xml><?xml version="1.0" encoding="utf-8"?>
+<file path=ppt/slides/slide27.xml><?xml version="1.0" encoding="utf-8"?>
 <p:sld xmlns:a="http://schemas.openxmlformats.org/drawingml/2006/main" xmlns:r="http://schemas.openxmlformats.org/officeDocument/2006/relationships" xmlns:p="http://schemas.openxmlformats.org/presentationml/2006/main">
   <p:cSld>
     <p:spTree>
@@ -8959,7 +9495,7 @@
 </p:sld>
 </file>
 
-<file path=ppt/slides/slide24.xml><?xml version="1.0" encoding="utf-8"?>
+<file path=ppt/slides/slide28.xml><?xml version="1.0" encoding="utf-8"?>
 <p:sld xmlns:a="http://schemas.openxmlformats.org/drawingml/2006/main" xmlns:r="http://schemas.openxmlformats.org/officeDocument/2006/relationships" xmlns:p="http://schemas.openxmlformats.org/presentationml/2006/main">
   <p:cSld>
     <p:spTree>
@@ -9023,8 +9559,18 @@
           <a:lstStyle/>
           <a:p>
             <a:r>
+              <a:rPr lang="en-US" dirty="0" smtClean="0"/>
+              <a:t>I/O operations</a:t>
+            </a:r>
+          </a:p>
+          <a:p>
+            <a:r>
+              <a:rPr lang="en-US" dirty="0" smtClean="0"/>
+              <a:t>Specific </a:t>
+            </a:r>
+            <a:r>
               <a:rPr lang="en-US" dirty="0"/>
-              <a:t>Specific system callback operations</a:t>
+              <a:t>system callback operations</a:t>
             </a:r>
           </a:p>
           <a:p>
@@ -9058,7 +9604,7 @@
         </p:blipFill>
         <p:spPr>
           <a:xfrm>
-            <a:off x="228600" y="2743200"/>
+            <a:off x="228600" y="2895600"/>
             <a:ext cx="7172907" cy="1905000"/>
           </a:xfrm>
           <a:prstGeom prst="rect">
@@ -9079,7 +9625,7 @@
 </p:sld>
 </file>
 
-<file path=ppt/slides/slide25.xml><?xml version="1.0" encoding="utf-8"?>
+<file path=ppt/slides/slide29.xml><?xml version="1.0" encoding="utf-8"?>
 <p:sld xmlns:a="http://schemas.openxmlformats.org/drawingml/2006/main" xmlns:r="http://schemas.openxmlformats.org/officeDocument/2006/relationships" xmlns:p="http://schemas.openxmlformats.org/presentationml/2006/main">
   <p:cSld>
     <p:spTree>
@@ -9432,7 +9978,7 @@
           <p:cNvPr id="27" name="Down Arrow 8">
             <a:extLst>
               <a:ext uri="{FF2B5EF4-FFF2-40B4-BE49-F238E27FC236}">
-                <a16:creationId xmlns="" xmlns:a16="http://schemas.microsoft.com/office/drawing/2014/main" id="{5E529DC3-62BC-4A7C-83FA-EDC4AB449CD5}"/>
+                <a16:creationId xmlns:a16="http://schemas.microsoft.com/office/drawing/2014/main" xmlns="" id="{5E529DC3-62BC-4A7C-83FA-EDC4AB449CD5}"/>
               </a:ext>
             </a:extLst>
           </p:cNvPr>
@@ -9483,7 +10029,7 @@
           <p:cNvPr id="28" name="Down Arrow 4">
             <a:extLst>
               <a:ext uri="{FF2B5EF4-FFF2-40B4-BE49-F238E27FC236}">
-                <a16:creationId xmlns="" xmlns:a16="http://schemas.microsoft.com/office/drawing/2014/main" id="{926C3365-FEFD-4091-A775-11FD532E964F}"/>
+                <a16:creationId xmlns:a16="http://schemas.microsoft.com/office/drawing/2014/main" xmlns="" id="{926C3365-FEFD-4091-A775-11FD532E964F}"/>
               </a:ext>
             </a:extLst>
           </p:cNvPr>
@@ -9533,376 +10079,6 @@
     <p:extLst>
       <p:ext uri="{BB962C8B-B14F-4D97-AF65-F5344CB8AC3E}">
         <p14:creationId xmlns:p14="http://schemas.microsoft.com/office/powerpoint/2010/main" val="1330365507"/>
-      </p:ext>
-    </p:extLst>
-  </p:cSld>
-  <p:clrMapOvr>
-    <a:masterClrMapping/>
-  </p:clrMapOvr>
-</p:sld>
-</file>
-
-<file path=ppt/slides/slide26.xml><?xml version="1.0" encoding="utf-8"?>
-<p:sld xmlns:a="http://schemas.openxmlformats.org/drawingml/2006/main" xmlns:r="http://schemas.openxmlformats.org/officeDocument/2006/relationships" xmlns:p="http://schemas.openxmlformats.org/presentationml/2006/main">
-  <p:cSld>
-    <p:spTree>
-      <p:nvGrpSpPr>
-        <p:cNvPr id="1" name=""/>
-        <p:cNvGrpSpPr/>
-        <p:nvPr/>
-      </p:nvGrpSpPr>
-      <p:grpSpPr>
-        <a:xfrm>
-          <a:off x="0" y="0"/>
-          <a:ext cx="0" cy="0"/>
-          <a:chOff x="0" y="0"/>
-          <a:chExt cx="0" cy="0"/>
-        </a:xfrm>
-      </p:grpSpPr>
-      <p:sp>
-        <p:nvSpPr>
-          <p:cNvPr id="2" name="Title 1"/>
-          <p:cNvSpPr>
-            <a:spLocks noGrp="1"/>
-          </p:cNvSpPr>
-          <p:nvPr>
-            <p:ph type="title"/>
-          </p:nvPr>
-        </p:nvSpPr>
-        <p:spPr/>
-        <p:txBody>
-          <a:bodyPr/>
-          <a:lstStyle/>
-          <a:p>
-            <a:r>
-              <a:rPr lang="en-US" dirty="0"/>
-              <a:t>Check Phase and Close Phase</a:t>
-            </a:r>
-          </a:p>
-        </p:txBody>
-      </p:sp>
-      <p:sp>
-        <p:nvSpPr>
-          <p:cNvPr id="3" name="Content Placeholder 2"/>
-          <p:cNvSpPr>
-            <a:spLocks noGrp="1"/>
-          </p:cNvSpPr>
-          <p:nvPr>
-            <p:ph idx="1"/>
-          </p:nvPr>
-        </p:nvSpPr>
-        <p:spPr/>
-        <p:txBody>
-          <a:bodyPr/>
-          <a:lstStyle/>
-          <a:p>
-            <a:r>
-              <a:rPr lang="en-US" dirty="0"/>
-              <a:t>Check Phase - Execute callbacks for </a:t>
-            </a:r>
-            <a:r>
-              <a:rPr lang="en-US" dirty="0" err="1"/>
-              <a:t>setImmediate</a:t>
-            </a:r>
-            <a:r>
-              <a:rPr lang="en-US" dirty="0"/>
-              <a:t> timers</a:t>
-            </a:r>
-          </a:p>
-          <a:p>
-            <a:r>
-              <a:rPr lang="en-US" dirty="0"/>
-              <a:t>Close Phase – Handles an abruptly close of a socket or a handle</a:t>
-            </a:r>
-          </a:p>
-        </p:txBody>
-      </p:sp>
-    </p:spTree>
-    <p:extLst>
-      <p:ext uri="{BB962C8B-B14F-4D97-AF65-F5344CB8AC3E}">
-        <p14:creationId xmlns:p14="http://schemas.microsoft.com/office/powerpoint/2010/main" val="2916599678"/>
-      </p:ext>
-    </p:extLst>
-  </p:cSld>
-  <p:clrMapOvr>
-    <a:masterClrMapping/>
-  </p:clrMapOvr>
-</p:sld>
-</file>
-
-<file path=ppt/slides/slide27.xml><?xml version="1.0" encoding="utf-8"?>
-<p:sld xmlns:a="http://schemas.openxmlformats.org/drawingml/2006/main" xmlns:r="http://schemas.openxmlformats.org/officeDocument/2006/relationships" xmlns:p="http://schemas.openxmlformats.org/presentationml/2006/main">
-  <p:cSld>
-    <p:spTree>
-      <p:nvGrpSpPr>
-        <p:cNvPr id="1" name=""/>
-        <p:cNvGrpSpPr/>
-        <p:nvPr/>
-      </p:nvGrpSpPr>
-      <p:grpSpPr>
-        <a:xfrm>
-          <a:off x="0" y="0"/>
-          <a:ext cx="0" cy="0"/>
-          <a:chOff x="0" y="0"/>
-          <a:chExt cx="0" cy="0"/>
-        </a:xfrm>
-      </p:grpSpPr>
-      <p:sp>
-        <p:nvSpPr>
-          <p:cNvPr id="2" name="Title 1"/>
-          <p:cNvSpPr>
-            <a:spLocks noGrp="1"/>
-          </p:cNvSpPr>
-          <p:nvPr>
-            <p:ph type="title"/>
-          </p:nvPr>
-        </p:nvSpPr>
-        <p:spPr/>
-        <p:txBody>
-          <a:bodyPr/>
-          <a:lstStyle/>
-          <a:p>
-            <a:r>
-              <a:rPr lang="en-US" dirty="0" err="1"/>
-              <a:t>Process.nextTick</a:t>
-            </a:r>
-            <a:r>
-              <a:rPr lang="en-US" dirty="0"/>
-              <a:t>()</a:t>
-            </a:r>
-          </a:p>
-        </p:txBody>
-      </p:sp>
-      <p:sp>
-        <p:nvSpPr>
-          <p:cNvPr id="3" name="Content Placeholder 2"/>
-          <p:cNvSpPr>
-            <a:spLocks noGrp="1"/>
-          </p:cNvSpPr>
-          <p:nvPr>
-            <p:ph idx="1"/>
-          </p:nvPr>
-        </p:nvSpPr>
-        <p:spPr>
-          <a:xfrm>
-            <a:off x="609599" y="1752600"/>
-            <a:ext cx="6347714" cy="3880773"/>
-          </a:xfrm>
-        </p:spPr>
-        <p:txBody>
-          <a:bodyPr/>
-          <a:lstStyle/>
-          <a:p>
-            <a:r>
-              <a:rPr lang="en-US" dirty="0"/>
-              <a:t>Not part of the event loop</a:t>
-            </a:r>
-          </a:p>
-          <a:p>
-            <a:r>
-              <a:rPr lang="en-US" dirty="0"/>
-              <a:t>Runs before any </a:t>
-            </a:r>
-            <a:r>
-              <a:rPr lang="en-US" dirty="0" smtClean="0"/>
-              <a:t>I/O </a:t>
-            </a:r>
-            <a:r>
-              <a:rPr lang="en-US" dirty="0"/>
-              <a:t>operation</a:t>
-            </a:r>
-          </a:p>
-          <a:p>
-            <a:r>
-              <a:rPr lang="en-US" dirty="0"/>
-              <a:t>Will be executed right away </a:t>
-            </a:r>
-          </a:p>
-          <a:p>
-            <a:r>
-              <a:rPr lang="en-US" b="1" dirty="0" smtClean="0"/>
-              <a:t>Careful ! Starvation</a:t>
-            </a:r>
-            <a:endParaRPr lang="en-US" b="1" dirty="0"/>
-          </a:p>
-        </p:txBody>
-      </p:sp>
-    </p:spTree>
-    <p:extLst>
-      <p:ext uri="{BB962C8B-B14F-4D97-AF65-F5344CB8AC3E}">
-        <p14:creationId xmlns:p14="http://schemas.microsoft.com/office/powerpoint/2010/main" val="3360318113"/>
-      </p:ext>
-    </p:extLst>
-  </p:cSld>
-  <p:clrMapOvr>
-    <a:masterClrMapping/>
-  </p:clrMapOvr>
-</p:sld>
-</file>
-
-<file path=ppt/slides/slide28.xml><?xml version="1.0" encoding="utf-8"?>
-<p:sld xmlns:a="http://schemas.openxmlformats.org/drawingml/2006/main" xmlns:r="http://schemas.openxmlformats.org/officeDocument/2006/relationships" xmlns:p="http://schemas.openxmlformats.org/presentationml/2006/main">
-  <p:cSld>
-    <p:spTree>
-      <p:nvGrpSpPr>
-        <p:cNvPr id="1" name=""/>
-        <p:cNvGrpSpPr/>
-        <p:nvPr/>
-      </p:nvGrpSpPr>
-      <p:grpSpPr>
-        <a:xfrm>
-          <a:off x="0" y="0"/>
-          <a:ext cx="0" cy="0"/>
-          <a:chOff x="0" y="0"/>
-          <a:chExt cx="0" cy="0"/>
-        </a:xfrm>
-      </p:grpSpPr>
-      <p:sp>
-        <p:nvSpPr>
-          <p:cNvPr id="2" name="Title 1"/>
-          <p:cNvSpPr>
-            <a:spLocks noGrp="1"/>
-          </p:cNvSpPr>
-          <p:nvPr>
-            <p:ph type="title"/>
-          </p:nvPr>
-        </p:nvSpPr>
-        <p:spPr>
-          <a:xfrm>
-            <a:off x="457200" y="2590800"/>
-            <a:ext cx="8229600" cy="1143000"/>
-          </a:xfrm>
-        </p:spPr>
-        <p:txBody>
-          <a:bodyPr/>
-          <a:lstStyle/>
-          <a:p>
-            <a:r>
-              <a:rPr lang="en-US" dirty="0"/>
-              <a:t>The secret of Node Scalability</a:t>
-            </a:r>
-          </a:p>
-        </p:txBody>
-      </p:sp>
-    </p:spTree>
-    <p:extLst>
-      <p:ext uri="{BB962C8B-B14F-4D97-AF65-F5344CB8AC3E}">
-        <p14:creationId xmlns:p14="http://schemas.microsoft.com/office/powerpoint/2010/main" val="3450023123"/>
-      </p:ext>
-    </p:extLst>
-  </p:cSld>
-  <p:clrMapOvr>
-    <a:masterClrMapping/>
-  </p:clrMapOvr>
-</p:sld>
-</file>
-
-<file path=ppt/slides/slide29.xml><?xml version="1.0" encoding="utf-8"?>
-<p:sld xmlns:a="http://schemas.openxmlformats.org/drawingml/2006/main" xmlns:r="http://schemas.openxmlformats.org/officeDocument/2006/relationships" xmlns:p="http://schemas.openxmlformats.org/presentationml/2006/main">
-  <p:cSld>
-    <p:spTree>
-      <p:nvGrpSpPr>
-        <p:cNvPr id="1" name=""/>
-        <p:cNvGrpSpPr/>
-        <p:nvPr/>
-      </p:nvGrpSpPr>
-      <p:grpSpPr>
-        <a:xfrm>
-          <a:off x="0" y="0"/>
-          <a:ext cx="0" cy="0"/>
-          <a:chOff x="0" y="0"/>
-          <a:chExt cx="0" cy="0"/>
-        </a:xfrm>
-      </p:grpSpPr>
-      <p:sp>
-        <p:nvSpPr>
-          <p:cNvPr id="2" name="Title 1"/>
-          <p:cNvSpPr>
-            <a:spLocks noGrp="1"/>
-          </p:cNvSpPr>
-          <p:nvPr>
-            <p:ph type="title"/>
-          </p:nvPr>
-        </p:nvSpPr>
-        <p:spPr/>
-        <p:txBody>
-          <a:bodyPr/>
-          <a:lstStyle/>
-          <a:p>
-            <a:r>
-              <a:rPr lang="en-US" dirty="0"/>
-              <a:t>Why Node scales well ?</a:t>
-            </a:r>
-          </a:p>
-        </p:txBody>
-      </p:sp>
-      <p:sp>
-        <p:nvSpPr>
-          <p:cNvPr id="3" name="Content Placeholder 2"/>
-          <p:cNvSpPr>
-            <a:spLocks noGrp="1"/>
-          </p:cNvSpPr>
-          <p:nvPr>
-            <p:ph idx="1"/>
-          </p:nvPr>
-        </p:nvSpPr>
-        <p:spPr>
-          <a:xfrm>
-            <a:off x="609598" y="1752600"/>
-            <a:ext cx="6347714" cy="3880773"/>
-          </a:xfrm>
-        </p:spPr>
-        <p:txBody>
-          <a:bodyPr/>
-          <a:lstStyle/>
-          <a:p>
-            <a:r>
-              <a:rPr lang="en-US" dirty="0"/>
-              <a:t>Small number of threads to handle many clients</a:t>
-            </a:r>
-          </a:p>
-          <a:p>
-            <a:pPr lvl="1"/>
-            <a:r>
-              <a:rPr lang="en-US" dirty="0"/>
-              <a:t>One thread for event loop</a:t>
-            </a:r>
-          </a:p>
-          <a:p>
-            <a:pPr lvl="1"/>
-            <a:r>
-              <a:rPr lang="en-US" dirty="0"/>
-              <a:t>Constant amount of threads in workers pool</a:t>
-            </a:r>
-          </a:p>
-          <a:p>
-            <a:r>
-              <a:rPr lang="en-US" dirty="0"/>
-              <a:t>Spend more time and memory working on </a:t>
-            </a:r>
-            <a:r>
-              <a:rPr lang="en-US" dirty="0" smtClean="0"/>
-              <a:t>clients actual work </a:t>
-            </a:r>
-            <a:r>
-              <a:rPr lang="en-US" dirty="0"/>
-              <a:t>rather </a:t>
-            </a:r>
-            <a:r>
-              <a:rPr lang="en-US" dirty="0" smtClean="0"/>
-              <a:t>than </a:t>
-            </a:r>
-            <a:r>
-              <a:rPr lang="en-US" dirty="0"/>
-              <a:t>paying space and time overheads for threads</a:t>
-            </a:r>
-          </a:p>
-        </p:txBody>
-      </p:sp>
-    </p:spTree>
-    <p:extLst>
-      <p:ext uri="{BB962C8B-B14F-4D97-AF65-F5344CB8AC3E}">
-        <p14:creationId xmlns:p14="http://schemas.microsoft.com/office/powerpoint/2010/main" val="1335465332"/>
       </p:ext>
     </p:extLst>
   </p:cSld>
@@ -10043,7 +10219,7 @@
           <a:p>
             <a:r>
               <a:rPr lang="en-US" dirty="0"/>
-              <a:t>Each Thread is critical !</a:t>
+              <a:t>Check Phase and Close Phase</a:t>
             </a:r>
           </a:p>
         </p:txBody>
@@ -10058,55 +10234,36 @@
             <p:ph idx="1"/>
           </p:nvPr>
         </p:nvSpPr>
-        <p:spPr>
-          <a:xfrm>
-            <a:off x="609599" y="1524000"/>
-            <a:ext cx="6553201" cy="4525963"/>
-          </a:xfrm>
-        </p:spPr>
+        <p:spPr/>
         <p:txBody>
           <a:bodyPr/>
           <a:lstStyle/>
           <a:p>
             <a:r>
               <a:rPr lang="en-US" dirty="0"/>
-              <a:t>Blocked Thread :</a:t>
-            </a:r>
-          </a:p>
-          <a:p>
-            <a:pPr lvl="1"/>
+              <a:t>Check Phase - Execute callbacks for </a:t>
+            </a:r>
+            <a:r>
+              <a:rPr lang="en-US" dirty="0" err="1"/>
+              <a:t>setImmediate</a:t>
+            </a:r>
             <a:r>
               <a:rPr lang="en-US" dirty="0"/>
-              <a:t>Long callback (event loop)</a:t>
-            </a:r>
-          </a:p>
-          <a:p>
-            <a:pPr lvl="1"/>
+              <a:t> timers</a:t>
+            </a:r>
+          </a:p>
+          <a:p>
             <a:r>
               <a:rPr lang="en-US" dirty="0"/>
-              <a:t>Long task (worker pool)</a:t>
-            </a:r>
-          </a:p>
-          <a:p>
-            <a:r>
-              <a:rPr lang="en-US" dirty="0"/>
-              <a:t>If thread is blocked  - cannot handle requests from any other </a:t>
-            </a:r>
-            <a:r>
-              <a:rPr lang="en-US" dirty="0" smtClean="0"/>
-              <a:t>client.</a:t>
-            </a:r>
-            <a:endParaRPr lang="en-US" dirty="0"/>
-          </a:p>
-          <a:p>
-            <a:endParaRPr lang="en-US" dirty="0"/>
+              <a:t>Close Phase – Handles an abruptly close of a socket or a handle</a:t>
+            </a:r>
           </a:p>
         </p:txBody>
       </p:sp>
     </p:spTree>
     <p:extLst>
       <p:ext uri="{BB962C8B-B14F-4D97-AF65-F5344CB8AC3E}">
-        <p14:creationId xmlns:p14="http://schemas.microsoft.com/office/powerpoint/2010/main" val="1513092891"/>
+        <p14:creationId xmlns:p14="http://schemas.microsoft.com/office/powerpoint/2010/main" val="2916599678"/>
       </p:ext>
     </p:extLst>
   </p:cSld>
@@ -10149,6 +10306,395 @@
           <a:lstStyle/>
           <a:p>
             <a:r>
+              <a:rPr lang="en-US" dirty="0" err="1"/>
+              <a:t>Process.nextTick</a:t>
+            </a:r>
+            <a:r>
+              <a:rPr lang="en-US" dirty="0"/>
+              <a:t>()</a:t>
+            </a:r>
+          </a:p>
+        </p:txBody>
+      </p:sp>
+      <p:sp>
+        <p:nvSpPr>
+          <p:cNvPr id="3" name="Content Placeholder 2"/>
+          <p:cNvSpPr>
+            <a:spLocks noGrp="1"/>
+          </p:cNvSpPr>
+          <p:nvPr>
+            <p:ph idx="1"/>
+          </p:nvPr>
+        </p:nvSpPr>
+        <p:spPr>
+          <a:xfrm>
+            <a:off x="609599" y="1752600"/>
+            <a:ext cx="6347714" cy="3880773"/>
+          </a:xfrm>
+        </p:spPr>
+        <p:txBody>
+          <a:bodyPr/>
+          <a:lstStyle/>
+          <a:p>
+            <a:r>
+              <a:rPr lang="en-US" dirty="0"/>
+              <a:t>Not part of the event loop</a:t>
+            </a:r>
+          </a:p>
+          <a:p>
+            <a:r>
+              <a:rPr lang="en-US" dirty="0"/>
+              <a:t>Runs before any </a:t>
+            </a:r>
+            <a:r>
+              <a:rPr lang="en-US" dirty="0" smtClean="0"/>
+              <a:t>I/O </a:t>
+            </a:r>
+            <a:r>
+              <a:rPr lang="en-US" dirty="0"/>
+              <a:t>operation</a:t>
+            </a:r>
+          </a:p>
+          <a:p>
+            <a:r>
+              <a:rPr lang="en-US" dirty="0"/>
+              <a:t>Will be executed right away </a:t>
+            </a:r>
+          </a:p>
+          <a:p>
+            <a:r>
+              <a:rPr lang="en-US" b="1" dirty="0" smtClean="0"/>
+              <a:t>Careful ! Starvation</a:t>
+            </a:r>
+            <a:endParaRPr lang="en-US" b="1" dirty="0"/>
+          </a:p>
+        </p:txBody>
+      </p:sp>
+    </p:spTree>
+    <p:extLst>
+      <p:ext uri="{BB962C8B-B14F-4D97-AF65-F5344CB8AC3E}">
+        <p14:creationId xmlns:p14="http://schemas.microsoft.com/office/powerpoint/2010/main" val="3360318113"/>
+      </p:ext>
+    </p:extLst>
+  </p:cSld>
+  <p:clrMapOvr>
+    <a:masterClrMapping/>
+  </p:clrMapOvr>
+</p:sld>
+</file>
+
+<file path=ppt/slides/slide32.xml><?xml version="1.0" encoding="utf-8"?>
+<p:sld xmlns:a="http://schemas.openxmlformats.org/drawingml/2006/main" xmlns:r="http://schemas.openxmlformats.org/officeDocument/2006/relationships" xmlns:p="http://schemas.openxmlformats.org/presentationml/2006/main">
+  <p:cSld>
+    <p:spTree>
+      <p:nvGrpSpPr>
+        <p:cNvPr id="1" name=""/>
+        <p:cNvGrpSpPr/>
+        <p:nvPr/>
+      </p:nvGrpSpPr>
+      <p:grpSpPr>
+        <a:xfrm>
+          <a:off x="0" y="0"/>
+          <a:ext cx="0" cy="0"/>
+          <a:chOff x="0" y="0"/>
+          <a:chExt cx="0" cy="0"/>
+        </a:xfrm>
+      </p:grpSpPr>
+      <p:sp>
+        <p:nvSpPr>
+          <p:cNvPr id="2" name="Title 1"/>
+          <p:cNvSpPr>
+            <a:spLocks noGrp="1"/>
+          </p:cNvSpPr>
+          <p:nvPr>
+            <p:ph type="title"/>
+          </p:nvPr>
+        </p:nvSpPr>
+        <p:spPr>
+          <a:xfrm>
+            <a:off x="457200" y="2590800"/>
+            <a:ext cx="8229600" cy="1143000"/>
+          </a:xfrm>
+        </p:spPr>
+        <p:txBody>
+          <a:bodyPr/>
+          <a:lstStyle/>
+          <a:p>
+            <a:r>
+              <a:rPr lang="en-US" dirty="0"/>
+              <a:t>The secret of Node Scalability</a:t>
+            </a:r>
+          </a:p>
+        </p:txBody>
+      </p:sp>
+    </p:spTree>
+    <p:extLst>
+      <p:ext uri="{BB962C8B-B14F-4D97-AF65-F5344CB8AC3E}">
+        <p14:creationId xmlns:p14="http://schemas.microsoft.com/office/powerpoint/2010/main" val="3450023123"/>
+      </p:ext>
+    </p:extLst>
+  </p:cSld>
+  <p:clrMapOvr>
+    <a:masterClrMapping/>
+  </p:clrMapOvr>
+</p:sld>
+</file>
+
+<file path=ppt/slides/slide33.xml><?xml version="1.0" encoding="utf-8"?>
+<p:sld xmlns:a="http://schemas.openxmlformats.org/drawingml/2006/main" xmlns:r="http://schemas.openxmlformats.org/officeDocument/2006/relationships" xmlns:p="http://schemas.openxmlformats.org/presentationml/2006/main">
+  <p:cSld>
+    <p:spTree>
+      <p:nvGrpSpPr>
+        <p:cNvPr id="1" name=""/>
+        <p:cNvGrpSpPr/>
+        <p:nvPr/>
+      </p:nvGrpSpPr>
+      <p:grpSpPr>
+        <a:xfrm>
+          <a:off x="0" y="0"/>
+          <a:ext cx="0" cy="0"/>
+          <a:chOff x="0" y="0"/>
+          <a:chExt cx="0" cy="0"/>
+        </a:xfrm>
+      </p:grpSpPr>
+      <p:sp>
+        <p:nvSpPr>
+          <p:cNvPr id="2" name="Title 1"/>
+          <p:cNvSpPr>
+            <a:spLocks noGrp="1"/>
+          </p:cNvSpPr>
+          <p:nvPr>
+            <p:ph type="title"/>
+          </p:nvPr>
+        </p:nvSpPr>
+        <p:spPr/>
+        <p:txBody>
+          <a:bodyPr/>
+          <a:lstStyle/>
+          <a:p>
+            <a:r>
+              <a:rPr lang="en-US" dirty="0"/>
+              <a:t>Why Node scales well ?</a:t>
+            </a:r>
+          </a:p>
+        </p:txBody>
+      </p:sp>
+      <p:sp>
+        <p:nvSpPr>
+          <p:cNvPr id="3" name="Content Placeholder 2"/>
+          <p:cNvSpPr>
+            <a:spLocks noGrp="1"/>
+          </p:cNvSpPr>
+          <p:nvPr>
+            <p:ph idx="1"/>
+          </p:nvPr>
+        </p:nvSpPr>
+        <p:spPr>
+          <a:xfrm>
+            <a:off x="609598" y="1752600"/>
+            <a:ext cx="6347714" cy="3880773"/>
+          </a:xfrm>
+        </p:spPr>
+        <p:txBody>
+          <a:bodyPr/>
+          <a:lstStyle/>
+          <a:p>
+            <a:r>
+              <a:rPr lang="en-US" dirty="0"/>
+              <a:t>Small number of threads to handle many clients</a:t>
+            </a:r>
+          </a:p>
+          <a:p>
+            <a:pPr lvl="1"/>
+            <a:r>
+              <a:rPr lang="en-US" dirty="0"/>
+              <a:t>One thread for event loop</a:t>
+            </a:r>
+          </a:p>
+          <a:p>
+            <a:pPr lvl="1"/>
+            <a:r>
+              <a:rPr lang="en-US" dirty="0"/>
+              <a:t>Constant amount of threads in workers pool</a:t>
+            </a:r>
+          </a:p>
+          <a:p>
+            <a:r>
+              <a:rPr lang="en-US" dirty="0"/>
+              <a:t>Spend more time and memory working on </a:t>
+            </a:r>
+            <a:r>
+              <a:rPr lang="en-US" dirty="0" smtClean="0"/>
+              <a:t>clients actual work </a:t>
+            </a:r>
+            <a:r>
+              <a:rPr lang="en-US" dirty="0"/>
+              <a:t>rather </a:t>
+            </a:r>
+            <a:r>
+              <a:rPr lang="en-US" dirty="0" smtClean="0"/>
+              <a:t>than </a:t>
+            </a:r>
+            <a:r>
+              <a:rPr lang="en-US" dirty="0"/>
+              <a:t>paying space and time overheads for threads</a:t>
+            </a:r>
+          </a:p>
+        </p:txBody>
+      </p:sp>
+    </p:spTree>
+    <p:extLst>
+      <p:ext uri="{BB962C8B-B14F-4D97-AF65-F5344CB8AC3E}">
+        <p14:creationId xmlns:p14="http://schemas.microsoft.com/office/powerpoint/2010/main" val="1335465332"/>
+      </p:ext>
+    </p:extLst>
+  </p:cSld>
+  <p:clrMapOvr>
+    <a:masterClrMapping/>
+  </p:clrMapOvr>
+</p:sld>
+</file>
+
+<file path=ppt/slides/slide34.xml><?xml version="1.0" encoding="utf-8"?>
+<p:sld xmlns:a="http://schemas.openxmlformats.org/drawingml/2006/main" xmlns:r="http://schemas.openxmlformats.org/officeDocument/2006/relationships" xmlns:p="http://schemas.openxmlformats.org/presentationml/2006/main">
+  <p:cSld>
+    <p:spTree>
+      <p:nvGrpSpPr>
+        <p:cNvPr id="1" name=""/>
+        <p:cNvGrpSpPr/>
+        <p:nvPr/>
+      </p:nvGrpSpPr>
+      <p:grpSpPr>
+        <a:xfrm>
+          <a:off x="0" y="0"/>
+          <a:ext cx="0" cy="0"/>
+          <a:chOff x="0" y="0"/>
+          <a:chExt cx="0" cy="0"/>
+        </a:xfrm>
+      </p:grpSpPr>
+      <p:sp>
+        <p:nvSpPr>
+          <p:cNvPr id="2" name="Title 1"/>
+          <p:cNvSpPr>
+            <a:spLocks noGrp="1"/>
+          </p:cNvSpPr>
+          <p:nvPr>
+            <p:ph type="title"/>
+          </p:nvPr>
+        </p:nvSpPr>
+        <p:spPr/>
+        <p:txBody>
+          <a:bodyPr/>
+          <a:lstStyle/>
+          <a:p>
+            <a:r>
+              <a:rPr lang="en-US" dirty="0"/>
+              <a:t>Each Thread is critical !</a:t>
+            </a:r>
+          </a:p>
+        </p:txBody>
+      </p:sp>
+      <p:sp>
+        <p:nvSpPr>
+          <p:cNvPr id="3" name="Content Placeholder 2"/>
+          <p:cNvSpPr>
+            <a:spLocks noGrp="1"/>
+          </p:cNvSpPr>
+          <p:nvPr>
+            <p:ph idx="1"/>
+          </p:nvPr>
+        </p:nvSpPr>
+        <p:spPr>
+          <a:xfrm>
+            <a:off x="609599" y="1524000"/>
+            <a:ext cx="6553201" cy="4525963"/>
+          </a:xfrm>
+        </p:spPr>
+        <p:txBody>
+          <a:bodyPr/>
+          <a:lstStyle/>
+          <a:p>
+            <a:r>
+              <a:rPr lang="en-US" dirty="0"/>
+              <a:t>Blocked Thread :</a:t>
+            </a:r>
+          </a:p>
+          <a:p>
+            <a:pPr lvl="1"/>
+            <a:r>
+              <a:rPr lang="en-US" dirty="0"/>
+              <a:t>Long callback (event loop)</a:t>
+            </a:r>
+          </a:p>
+          <a:p>
+            <a:pPr lvl="1"/>
+            <a:r>
+              <a:rPr lang="en-US" dirty="0"/>
+              <a:t>Long task (worker pool)</a:t>
+            </a:r>
+          </a:p>
+          <a:p>
+            <a:r>
+              <a:rPr lang="en-US" dirty="0"/>
+              <a:t>If thread is blocked  - cannot handle requests from any other </a:t>
+            </a:r>
+            <a:r>
+              <a:rPr lang="en-US" dirty="0" smtClean="0"/>
+              <a:t>client.</a:t>
+            </a:r>
+            <a:endParaRPr lang="en-US" dirty="0"/>
+          </a:p>
+          <a:p>
+            <a:endParaRPr lang="en-US" dirty="0"/>
+          </a:p>
+        </p:txBody>
+      </p:sp>
+    </p:spTree>
+    <p:extLst>
+      <p:ext uri="{BB962C8B-B14F-4D97-AF65-F5344CB8AC3E}">
+        <p14:creationId xmlns:p14="http://schemas.microsoft.com/office/powerpoint/2010/main" val="1513092891"/>
+      </p:ext>
+    </p:extLst>
+  </p:cSld>
+  <p:clrMapOvr>
+    <a:masterClrMapping/>
+  </p:clrMapOvr>
+</p:sld>
+</file>
+
+<file path=ppt/slides/slide35.xml><?xml version="1.0" encoding="utf-8"?>
+<p:sld xmlns:a="http://schemas.openxmlformats.org/drawingml/2006/main" xmlns:r="http://schemas.openxmlformats.org/officeDocument/2006/relationships" xmlns:p="http://schemas.openxmlformats.org/presentationml/2006/main">
+  <p:cSld>
+    <p:spTree>
+      <p:nvGrpSpPr>
+        <p:cNvPr id="1" name=""/>
+        <p:cNvGrpSpPr/>
+        <p:nvPr/>
+      </p:nvGrpSpPr>
+      <p:grpSpPr>
+        <a:xfrm>
+          <a:off x="0" y="0"/>
+          <a:ext cx="0" cy="0"/>
+          <a:chOff x="0" y="0"/>
+          <a:chExt cx="0" cy="0"/>
+        </a:xfrm>
+      </p:grpSpPr>
+      <p:sp>
+        <p:nvSpPr>
+          <p:cNvPr id="2" name="Title 1"/>
+          <p:cNvSpPr>
+            <a:spLocks noGrp="1"/>
+          </p:cNvSpPr>
+          <p:nvPr>
+            <p:ph type="title"/>
+          </p:nvPr>
+        </p:nvSpPr>
+        <p:spPr/>
+        <p:txBody>
+          <a:bodyPr/>
+          <a:lstStyle/>
+          <a:p>
+            <a:r>
               <a:rPr lang="en-US" dirty="0"/>
               <a:t>Conclusion</a:t>
             </a:r>
@@ -10234,7 +10780,7 @@
 </p:sld>
 </file>
 
-<file path=ppt/slides/slide32.xml><?xml version="1.0" encoding="utf-8"?>
+<file path=ppt/slides/slide36.xml><?xml version="1.0" encoding="utf-8"?>
 <p:sld xmlns:a="http://schemas.openxmlformats.org/drawingml/2006/main" xmlns:r="http://schemas.openxmlformats.org/officeDocument/2006/relationships" xmlns:p="http://schemas.openxmlformats.org/presentationml/2006/main">
   <p:cSld>
     <p:spTree>
@@ -10576,7 +11122,7 @@
           <p:cNvPr id="12" name="Right Arrow 8">
             <a:extLst>
               <a:ext uri="{FF2B5EF4-FFF2-40B4-BE49-F238E27FC236}">
-                <a16:creationId xmlns="" xmlns:a16="http://schemas.microsoft.com/office/drawing/2014/main" id="{9B6A5C66-3111-42AA-9715-A250ECC26D8A}"/>
+                <a16:creationId xmlns:a16="http://schemas.microsoft.com/office/drawing/2014/main" xmlns="" id="{9B6A5C66-3111-42AA-9715-A250ECC26D8A}"/>
               </a:ext>
             </a:extLst>
           </p:cNvPr>
@@ -10627,7 +11173,7 @@
           <p:cNvPr id="13" name="Right Arrow 8">
             <a:extLst>
               <a:ext uri="{FF2B5EF4-FFF2-40B4-BE49-F238E27FC236}">
-                <a16:creationId xmlns="" xmlns:a16="http://schemas.microsoft.com/office/drawing/2014/main" id="{257D4A4D-49E1-452C-B8F8-AC8F9EC55A3C}"/>
+                <a16:creationId xmlns:a16="http://schemas.microsoft.com/office/drawing/2014/main" xmlns="" id="{257D4A4D-49E1-452C-B8F8-AC8F9EC55A3C}"/>
               </a:ext>
             </a:extLst>
           </p:cNvPr>
@@ -10678,7 +11224,7 @@
           <p:cNvPr id="14" name="Oval 13">
             <a:extLst>
               <a:ext uri="{FF2B5EF4-FFF2-40B4-BE49-F238E27FC236}">
-                <a16:creationId xmlns="" xmlns:a16="http://schemas.microsoft.com/office/drawing/2014/main" id="{8A83D4FD-AB2E-465C-BCEC-16369A33469C}"/>
+                <a16:creationId xmlns:a16="http://schemas.microsoft.com/office/drawing/2014/main" xmlns="" id="{8A83D4FD-AB2E-465C-BCEC-16369A33469C}"/>
               </a:ext>
             </a:extLst>
           </p:cNvPr>
@@ -10730,7 +11276,7 @@
           <p:cNvPr id="15" name="Oval 14">
             <a:extLst>
               <a:ext uri="{FF2B5EF4-FFF2-40B4-BE49-F238E27FC236}">
-                <a16:creationId xmlns="" xmlns:a16="http://schemas.microsoft.com/office/drawing/2014/main" id="{E28EACCF-2AA1-40E1-8755-6DE9B427B333}"/>
+                <a16:creationId xmlns:a16="http://schemas.microsoft.com/office/drawing/2014/main" xmlns="" id="{E28EACCF-2AA1-40E1-8755-6DE9B427B333}"/>
               </a:ext>
             </a:extLst>
           </p:cNvPr>
@@ -10782,7 +11328,7 @@
           <p:cNvPr id="16" name="Rectangle 15">
             <a:extLst>
               <a:ext uri="{FF2B5EF4-FFF2-40B4-BE49-F238E27FC236}">
-                <a16:creationId xmlns="" xmlns:a16="http://schemas.microsoft.com/office/drawing/2014/main" id="{41716F7C-379D-4F85-991A-8555B3EC1DA6}"/>
+                <a16:creationId xmlns:a16="http://schemas.microsoft.com/office/drawing/2014/main" xmlns="" id="{41716F7C-379D-4F85-991A-8555B3EC1DA6}"/>
               </a:ext>
             </a:extLst>
           </p:cNvPr>
@@ -11088,19 +11634,49 @@
             <p:ph type="title"/>
           </p:nvPr>
         </p:nvSpPr>
-        <p:spPr>
-          <a:xfrm>
-            <a:off x="609599" y="2108200"/>
-            <a:ext cx="6347713" cy="1320800"/>
-          </a:xfrm>
-        </p:spPr>
+        <p:spPr/>
         <p:txBody>
           <a:bodyPr/>
           <a:lstStyle/>
           <a:p>
             <a:r>
               <a:rPr lang="en-US" dirty="0" smtClean="0"/>
-              <a:t>Event Loop In A Nutshell</a:t>
+              <a:t>Node.js – Non Blocking I/O</a:t>
+            </a:r>
+            <a:endParaRPr lang="en-US" dirty="0"/>
+          </a:p>
+        </p:txBody>
+      </p:sp>
+      <p:sp>
+        <p:nvSpPr>
+          <p:cNvPr id="3" name="Content Placeholder 2"/>
+          <p:cNvSpPr>
+            <a:spLocks noGrp="1"/>
+          </p:cNvSpPr>
+          <p:nvPr>
+            <p:ph idx="1"/>
+          </p:nvPr>
+        </p:nvSpPr>
+        <p:spPr/>
+        <p:txBody>
+          <a:bodyPr/>
+          <a:lstStyle/>
+          <a:p>
+            <a:r>
+              <a:rPr lang="en-US" dirty="0" smtClean="0"/>
+              <a:t>The Non Blocking I/O approach existed in JavaScript way back</a:t>
+            </a:r>
+          </a:p>
+          <a:p>
+            <a:r>
+              <a:rPr lang="en-US" dirty="0" smtClean="0"/>
+              <a:t>JavaScript with it’s event loop model executed other events while waiting for I/O operations</a:t>
+            </a:r>
+          </a:p>
+          <a:p>
+            <a:r>
+              <a:rPr lang="en-US" dirty="0" smtClean="0"/>
+              <a:t>In 2009 Ryan Dahl ran the JavaScript event loop on server – Node.js was born  </a:t>
             </a:r>
             <a:endParaRPr lang="en-US" dirty="0"/>
           </a:p>
@@ -11109,7 +11685,7 @@
     </p:spTree>
     <p:extLst>
       <p:ext uri="{BB962C8B-B14F-4D97-AF65-F5344CB8AC3E}">
-        <p14:creationId xmlns:p14="http://schemas.microsoft.com/office/powerpoint/2010/main" val="2246011631"/>
+        <p14:creationId xmlns:p14="http://schemas.microsoft.com/office/powerpoint/2010/main" val="2731875239"/>
       </p:ext>
     </p:extLst>
   </p:cSld>
@@ -11146,64 +11722,38 @@
             <p:ph type="title"/>
           </p:nvPr>
         </p:nvSpPr>
-        <p:spPr/>
-        <p:txBody>
-          <a:bodyPr/>
-          <a:lstStyle/>
-          <a:p>
-            <a:r>
-              <a:rPr lang="en-US" dirty="0"/>
-              <a:t>Event Loop in a nutshell</a:t>
-            </a:r>
-          </a:p>
-        </p:txBody>
-      </p:sp>
-      <p:pic>
-        <p:nvPicPr>
-          <p:cNvPr id="3" name="Picture 2"/>
-          <p:cNvPicPr>
-            <a:picLocks noChangeAspect="1"/>
-          </p:cNvPicPr>
-          <p:nvPr/>
-        </p:nvPicPr>
-        <p:blipFill rotWithShape="1">
-          <a:blip r:embed="rId2">
-            <a:extLst>
-              <a:ext uri="{28A0092B-C50C-407E-A947-70E740481C1C}">
-                <a14:useLocalDpi xmlns:a14="http://schemas.microsoft.com/office/drawing/2010/main" val="0"/>
-              </a:ext>
-            </a:extLst>
-          </a:blip>
-          <a:srcRect l="10577" t="4905" r="13462" b="6793"/>
-          <a:stretch/>
-        </p:blipFill>
         <p:spPr>
           <a:xfrm>
-            <a:off x="304800" y="1600200"/>
-            <a:ext cx="6019800" cy="4114800"/>
+            <a:off x="609599" y="2108200"/>
+            <a:ext cx="6347713" cy="1320800"/>
           </a:xfrm>
-          <a:prstGeom prst="rect">
-            <a:avLst/>
-          </a:prstGeom>
         </p:spPr>
-      </p:pic>
+        <p:txBody>
+          <a:bodyPr/>
+          <a:lstStyle/>
+          <a:p>
+            <a:r>
+              <a:rPr lang="en-US" dirty="0" smtClean="0"/>
+              <a:t>Node.js Event </a:t>
+            </a:r>
+            <a:r>
+              <a:rPr lang="en-US" dirty="0" smtClean="0"/>
+              <a:t>Loop In A Nutshell</a:t>
+            </a:r>
+            <a:endParaRPr lang="en-US" dirty="0"/>
+          </a:p>
+        </p:txBody>
+      </p:sp>
     </p:spTree>
     <p:extLst>
       <p:ext uri="{BB962C8B-B14F-4D97-AF65-F5344CB8AC3E}">
-        <p14:creationId xmlns:p14="http://schemas.microsoft.com/office/powerpoint/2010/main" val="2792461982"/>
+        <p14:creationId xmlns:p14="http://schemas.microsoft.com/office/powerpoint/2010/main" val="2246011631"/>
       </p:ext>
     </p:extLst>
   </p:cSld>
   <p:clrMapOvr>
     <a:masterClrMapping/>
   </p:clrMapOvr>
-  <p:timing>
-    <p:tnLst>
-      <p:par>
-        <p:cTn id="1" dur="indefinite" restart="never" nodeType="tmRoot"/>
-      </p:par>
-    </p:tnLst>
-  </p:timing>
 </p:sld>
 </file>
 
@@ -11458,7 +12008,7 @@
   <a:extraClrSchemeLst/>
   <a:extLst>
     <a:ext uri="{05A4C25C-085E-4340-85A3-A5531E510DB2}">
-      <thm15:themeFamily xmlns="" xmlns:thm15="http://schemas.microsoft.com/office/thememl/2012/main" name="Facet" id="{C0C680CD-088A-49FC-A102-D699147F32B2}" vid="{CFBC31BA-B70F-4F30-BCAA-4F3011E16C4D}"/>
+      <thm15:themeFamily xmlns:thm15="http://schemas.microsoft.com/office/thememl/2012/main" xmlns="" name="Facet" id="{C0C680CD-088A-49FC-A102-D699147F32B2}" vid="{CFBC31BA-B70F-4F30-BCAA-4F3011E16C4D}"/>
     </a:ext>
   </a:extLst>
 </a:theme>
